--- a/Documentation MelonDoc/Presentation_MelonDoc.pptx
+++ b/Documentation MelonDoc/Presentation_MelonDoc.pptx
@@ -5,10 +5,10 @@
     <p:sldMasterId id="2147483828" r:id="rId1"/>
   </p:sldMasterIdLst>
   <p:notesMasterIdLst>
-    <p:notesMasterId r:id="rId13"/>
+    <p:notesMasterId r:id="rId17"/>
   </p:notesMasterIdLst>
   <p:handoutMasterIdLst>
-    <p:handoutMasterId r:id="rId14"/>
+    <p:handoutMasterId r:id="rId18"/>
   </p:handoutMasterIdLst>
   <p:sldIdLst>
     <p:sldId id="256" r:id="rId2"/>
@@ -20,8 +20,12 @@
     <p:sldId id="262" r:id="rId8"/>
     <p:sldId id="263" r:id="rId9"/>
     <p:sldId id="264" r:id="rId10"/>
-    <p:sldId id="265" r:id="rId11"/>
-    <p:sldId id="266" r:id="rId12"/>
+    <p:sldId id="270" r:id="rId11"/>
+    <p:sldId id="267" r:id="rId12"/>
+    <p:sldId id="268" r:id="rId13"/>
+    <p:sldId id="269" r:id="rId14"/>
+    <p:sldId id="265" r:id="rId15"/>
+    <p:sldId id="266" r:id="rId16"/>
   </p:sldIdLst>
   <p:sldSz cx="9144000" cy="6858000" type="screen4x3"/>
   <p:notesSz cx="6858000" cy="9144000"/>
@@ -799,7 +803,19 @@
           <a:bodyPr/>
           <a:lstStyle/>
           <a:p>
-            <a:endParaRPr lang="fr-FR"/>
+            <a:r>
+              <a:rPr lang="fr-FR" dirty="0" smtClean="0"/>
+              <a:t>Tex créé</a:t>
+            </a:r>
+            <a:r>
+              <a:rPr lang="fr-FR" baseline="0" dirty="0" smtClean="0"/>
+              <a:t> par Donald </a:t>
+            </a:r>
+            <a:r>
+              <a:rPr lang="fr-FR" baseline="0" dirty="0" err="1" smtClean="0"/>
+              <a:t>Knuth</a:t>
+            </a:r>
+            <a:endParaRPr lang="fr-FR" dirty="0"/>
           </a:p>
         </p:txBody>
       </p:sp>
@@ -852,7 +868,7 @@
     </p:spTree>
     <p:extLst>
       <p:ext uri="{BB962C8B-B14F-4D97-AF65-F5344CB8AC3E}">
-        <p14:creationId xmlns:p14="http://schemas.microsoft.com/office/powerpoint/2010/main" val="2905765170"/>
+        <p14:creationId xmlns:p14="http://schemas.microsoft.com/office/powerpoint/2010/main" val="3081404697"/>
       </p:ext>
     </p:extLst>
   </p:cSld>
@@ -901,6 +917,113 @@
             <p:ph type="body" idx="1"/>
           </p:nvPr>
         </p:nvSpPr>
+        <p:spPr/>
+        <p:txBody>
+          <a:bodyPr/>
+          <a:lstStyle/>
+          <a:p>
+            <a:endParaRPr lang="fr-FR"/>
+          </a:p>
+        </p:txBody>
+      </p:sp>
+      <p:sp>
+        <p:nvSpPr>
+          <p:cNvPr id="4" name="Espace réservé de l'en-tête 3"/>
+          <p:cNvSpPr>
+            <a:spLocks noGrp="1"/>
+          </p:cNvSpPr>
+          <p:nvPr>
+            <p:ph type="hdr" sz="quarter" idx="10"/>
+          </p:nvPr>
+        </p:nvSpPr>
+        <p:spPr/>
+        <p:txBody>
+          <a:bodyPr/>
+          <a:lstStyle/>
+          <a:p>
+            <a:r>
+              <a:rPr lang="fr-FR" smtClean="0"/>
+              <a:t>MelonDoc</a:t>
+            </a:r>
+            <a:endParaRPr lang="fr-FR"/>
+          </a:p>
+        </p:txBody>
+      </p:sp>
+      <p:sp>
+        <p:nvSpPr>
+          <p:cNvPr id="5" name="Espace réservé du numéro de diapositive 4"/>
+          <p:cNvSpPr>
+            <a:spLocks noGrp="1"/>
+          </p:cNvSpPr>
+          <p:nvPr>
+            <p:ph type="sldNum" sz="quarter" idx="11"/>
+          </p:nvPr>
+        </p:nvSpPr>
+        <p:spPr/>
+        <p:txBody>
+          <a:bodyPr/>
+          <a:lstStyle/>
+          <a:p>
+            <a:fld id="{BDA80637-103F-4212-965C-E6EFCF1E2ADA}" type="slidenum">
+              <a:rPr lang="fr-FR" smtClean="0"/>
+              <a:t>14</a:t>
+            </a:fld>
+            <a:endParaRPr lang="fr-FR"/>
+          </a:p>
+        </p:txBody>
+      </p:sp>
+    </p:spTree>
+    <p:extLst>
+      <p:ext uri="{BB962C8B-B14F-4D97-AF65-F5344CB8AC3E}">
+        <p14:creationId xmlns:p14="http://schemas.microsoft.com/office/powerpoint/2010/main" val="2905765170"/>
+      </p:ext>
+    </p:extLst>
+  </p:cSld>
+  <p:clrMapOvr>
+    <a:masterClrMapping/>
+  </p:clrMapOvr>
+</p:notes>
+</file>
+
+<file path=ppt/notesSlides/notesSlide12.xml><?xml version="1.0" encoding="utf-8"?>
+<p:notes xmlns:a="http://schemas.openxmlformats.org/drawingml/2006/main" xmlns:r="http://schemas.openxmlformats.org/officeDocument/2006/relationships" xmlns:p="http://schemas.openxmlformats.org/presentationml/2006/main">
+  <p:cSld>
+    <p:spTree>
+      <p:nvGrpSpPr>
+        <p:cNvPr id="1" name=""/>
+        <p:cNvGrpSpPr/>
+        <p:nvPr/>
+      </p:nvGrpSpPr>
+      <p:grpSpPr>
+        <a:xfrm>
+          <a:off x="0" y="0"/>
+          <a:ext cx="0" cy="0"/>
+          <a:chOff x="0" y="0"/>
+          <a:chExt cx="0" cy="0"/>
+        </a:xfrm>
+      </p:grpSpPr>
+      <p:sp>
+        <p:nvSpPr>
+          <p:cNvPr id="2" name="Espace réservé de l'image des diapositives 1"/>
+          <p:cNvSpPr>
+            <a:spLocks noGrp="1" noRot="1" noChangeAspect="1"/>
+          </p:cNvSpPr>
+          <p:nvPr>
+            <p:ph type="sldImg"/>
+          </p:nvPr>
+        </p:nvSpPr>
+        <p:spPr/>
+      </p:sp>
+      <p:sp>
+        <p:nvSpPr>
+          <p:cNvPr id="3" name="Espace réservé des commentaires 2"/>
+          <p:cNvSpPr>
+            <a:spLocks noGrp="1"/>
+          </p:cNvSpPr>
+          <p:nvPr>
+            <p:ph type="body" idx="1"/>
+          </p:nvPr>
+        </p:nvSpPr>
         <p:spPr>
           <a:xfrm>
             <a:off x="692696" y="4355976"/>
@@ -1017,7 +1140,7 @@
           <a:p>
             <a:fld id="{BDA80637-103F-4212-965C-E6EFCF1E2ADA}" type="slidenum">
               <a:rPr lang="fr-FR" smtClean="0"/>
-              <a:t>11</a:t>
+              <a:t>15</a:t>
             </a:fld>
             <a:endParaRPr lang="fr-FR"/>
           </a:p>
@@ -1839,7 +1962,7 @@
           <a:bodyPr/>
           <a:lstStyle/>
           <a:p>
-            <a:endParaRPr lang="fr-FR"/>
+            <a:endParaRPr lang="fr-FR" dirty="0"/>
           </a:p>
         </p:txBody>
       </p:sp>
@@ -6625,6 +6748,460 @@
       </p:grpSpPr>
       <p:sp>
         <p:nvSpPr>
+          <p:cNvPr id="2" name="Espace réservé du contenu 1"/>
+          <p:cNvSpPr>
+            <a:spLocks noGrp="1"/>
+          </p:cNvSpPr>
+          <p:nvPr>
+            <p:ph idx="1"/>
+          </p:nvPr>
+        </p:nvSpPr>
+        <p:spPr/>
+        <p:txBody>
+          <a:bodyPr/>
+          <a:lstStyle/>
+          <a:p>
+            <a:r>
+              <a:rPr lang="fr-FR" dirty="0" smtClean="0"/>
+              <a:t>Langage pour l’utilisation de tex</a:t>
+            </a:r>
+          </a:p>
+          <a:p>
+            <a:r>
+              <a:rPr lang="fr-FR" dirty="0" smtClean="0"/>
+              <a:t>Simplifie les écriture compliquées (formules scientifiques)</a:t>
+            </a:r>
+          </a:p>
+          <a:p>
+            <a:r>
+              <a:rPr lang="fr-FR" dirty="0" smtClean="0"/>
+              <a:t>Langage Open Source</a:t>
+            </a:r>
+            <a:endParaRPr lang="fr-FR" dirty="0"/>
+          </a:p>
+        </p:txBody>
+      </p:sp>
+      <p:sp>
+        <p:nvSpPr>
+          <p:cNvPr id="3" name="Espace réservé du pied de page 2"/>
+          <p:cNvSpPr>
+            <a:spLocks noGrp="1"/>
+          </p:cNvSpPr>
+          <p:nvPr>
+            <p:ph type="ftr" sz="quarter" idx="11"/>
+          </p:nvPr>
+        </p:nvSpPr>
+        <p:spPr/>
+        <p:txBody>
+          <a:bodyPr/>
+          <a:lstStyle/>
+          <a:p>
+            <a:r>
+              <a:rPr lang="fr-FR" smtClean="0"/>
+              <a:t>Libert Pierrick, Singler Julien, Meloni Hugo, Berrouag Yannis, Gahon Alexis, Minette Alexandre</a:t>
+            </a:r>
+            <a:endParaRPr lang="fr-FR"/>
+          </a:p>
+        </p:txBody>
+      </p:sp>
+      <p:sp>
+        <p:nvSpPr>
+          <p:cNvPr id="4" name="Titre 3"/>
+          <p:cNvSpPr>
+            <a:spLocks noGrp="1"/>
+          </p:cNvSpPr>
+          <p:nvPr>
+            <p:ph type="title"/>
+          </p:nvPr>
+        </p:nvSpPr>
+        <p:spPr/>
+        <p:txBody>
+          <a:bodyPr/>
+          <a:lstStyle/>
+          <a:p>
+            <a:r>
+              <a:rPr lang="fr-FR" dirty="0" smtClean="0"/>
+              <a:t>Latex</a:t>
+            </a:r>
+            <a:endParaRPr lang="fr-FR" dirty="0"/>
+          </a:p>
+        </p:txBody>
+      </p:sp>
+    </p:spTree>
+    <p:extLst>
+      <p:ext uri="{BB962C8B-B14F-4D97-AF65-F5344CB8AC3E}">
+        <p14:creationId xmlns:p14="http://schemas.microsoft.com/office/powerpoint/2010/main" val="1776725131"/>
+      </p:ext>
+    </p:extLst>
+  </p:cSld>
+  <p:clrMapOvr>
+    <a:masterClrMapping/>
+  </p:clrMapOvr>
+</p:sld>
+</file>
+
+<file path=ppt/slides/slide11.xml><?xml version="1.0" encoding="utf-8"?>
+<p:sld xmlns:a="http://schemas.openxmlformats.org/drawingml/2006/main" xmlns:r="http://schemas.openxmlformats.org/officeDocument/2006/relationships" xmlns:p="http://schemas.openxmlformats.org/presentationml/2006/main">
+  <p:cSld>
+    <p:spTree>
+      <p:nvGrpSpPr>
+        <p:cNvPr id="1" name=""/>
+        <p:cNvGrpSpPr/>
+        <p:nvPr/>
+      </p:nvGrpSpPr>
+      <p:grpSpPr>
+        <a:xfrm>
+          <a:off x="0" y="0"/>
+          <a:ext cx="0" cy="0"/>
+          <a:chOff x="0" y="0"/>
+          <a:chExt cx="0" cy="0"/>
+        </a:xfrm>
+      </p:grpSpPr>
+      <p:sp>
+        <p:nvSpPr>
+          <p:cNvPr id="2" name="Espace réservé du contenu 1"/>
+          <p:cNvSpPr>
+            <a:spLocks noGrp="1"/>
+          </p:cNvSpPr>
+          <p:nvPr>
+            <p:ph idx="1"/>
+          </p:nvPr>
+        </p:nvSpPr>
+        <p:spPr/>
+        <p:txBody>
+          <a:bodyPr/>
+          <a:lstStyle/>
+          <a:p>
+            <a:r>
+              <a:rPr lang="fr-FR" dirty="0" smtClean="0"/>
+              <a:t>Classes latex</a:t>
+            </a:r>
+          </a:p>
+          <a:p>
+            <a:r>
+              <a:rPr lang="fr-FR" dirty="0" smtClean="0"/>
+              <a:t>Définition des styles appliqués a un document type</a:t>
+            </a:r>
+          </a:p>
+          <a:p>
+            <a:endParaRPr lang="fr-FR" dirty="0"/>
+          </a:p>
+        </p:txBody>
+      </p:sp>
+      <p:sp>
+        <p:nvSpPr>
+          <p:cNvPr id="3" name="Espace réservé du pied de page 2"/>
+          <p:cNvSpPr>
+            <a:spLocks noGrp="1"/>
+          </p:cNvSpPr>
+          <p:nvPr>
+            <p:ph type="ftr" sz="quarter" idx="11"/>
+          </p:nvPr>
+        </p:nvSpPr>
+        <p:spPr/>
+        <p:txBody>
+          <a:bodyPr/>
+          <a:lstStyle/>
+          <a:p>
+            <a:r>
+              <a:rPr lang="fr-FR" smtClean="0"/>
+              <a:t>Libert Pierrick, Singler Julien, Meloni Hugo, Berrouag Yannis, Gahon Alexis, Minette Alexandre</a:t>
+            </a:r>
+            <a:endParaRPr lang="fr-FR"/>
+          </a:p>
+        </p:txBody>
+      </p:sp>
+      <p:sp>
+        <p:nvSpPr>
+          <p:cNvPr id="4" name="Titre 3"/>
+          <p:cNvSpPr>
+            <a:spLocks noGrp="1"/>
+          </p:cNvSpPr>
+          <p:nvPr>
+            <p:ph type="title"/>
+          </p:nvPr>
+        </p:nvSpPr>
+        <p:spPr/>
+        <p:txBody>
+          <a:bodyPr>
+            <a:normAutofit/>
+          </a:bodyPr>
+          <a:lstStyle/>
+          <a:p>
+            <a:r>
+              <a:rPr lang="fr-FR" sz="3200" dirty="0" smtClean="0"/>
+              <a:t>Les fichiers .</a:t>
+            </a:r>
+            <a:r>
+              <a:rPr lang="fr-FR" sz="3200" dirty="0" err="1" smtClean="0"/>
+              <a:t>cls</a:t>
+            </a:r>
+            <a:endParaRPr lang="fr-FR" sz="3200" dirty="0"/>
+          </a:p>
+        </p:txBody>
+      </p:sp>
+    </p:spTree>
+    <p:extLst>
+      <p:ext uri="{BB962C8B-B14F-4D97-AF65-F5344CB8AC3E}">
+        <p14:creationId xmlns:p14="http://schemas.microsoft.com/office/powerpoint/2010/main" val="284649788"/>
+      </p:ext>
+    </p:extLst>
+  </p:cSld>
+  <p:clrMapOvr>
+    <a:masterClrMapping/>
+  </p:clrMapOvr>
+</p:sld>
+</file>
+
+<file path=ppt/slides/slide12.xml><?xml version="1.0" encoding="utf-8"?>
+<p:sld xmlns:a="http://schemas.openxmlformats.org/drawingml/2006/main" xmlns:r="http://schemas.openxmlformats.org/officeDocument/2006/relationships" xmlns:p="http://schemas.openxmlformats.org/presentationml/2006/main">
+  <p:cSld>
+    <p:spTree>
+      <p:nvGrpSpPr>
+        <p:cNvPr id="1" name=""/>
+        <p:cNvGrpSpPr/>
+        <p:nvPr/>
+      </p:nvGrpSpPr>
+      <p:grpSpPr>
+        <a:xfrm>
+          <a:off x="0" y="0"/>
+          <a:ext cx="0" cy="0"/>
+          <a:chOff x="0" y="0"/>
+          <a:chExt cx="0" cy="0"/>
+        </a:xfrm>
+      </p:grpSpPr>
+      <p:sp>
+        <p:nvSpPr>
+          <p:cNvPr id="2" name="Espace réservé du contenu 1"/>
+          <p:cNvSpPr>
+            <a:spLocks noGrp="1"/>
+          </p:cNvSpPr>
+          <p:nvPr>
+            <p:ph idx="1"/>
+          </p:nvPr>
+        </p:nvSpPr>
+        <p:spPr/>
+        <p:txBody>
+          <a:bodyPr/>
+          <a:lstStyle/>
+          <a:p>
+            <a:r>
+              <a:rPr lang="fr-FR" dirty="0" smtClean="0"/>
+              <a:t>Ils peuvent faire appel aux classes</a:t>
+            </a:r>
+          </a:p>
+          <a:p>
+            <a:r>
+              <a:rPr lang="fr-FR" dirty="0" smtClean="0"/>
+              <a:t>Ils incluent le contenu du document final</a:t>
+            </a:r>
+          </a:p>
+          <a:p>
+            <a:r>
+              <a:rPr lang="fr-FR" dirty="0" smtClean="0"/>
+              <a:t>Dépourvus de mise en forme</a:t>
+            </a:r>
+            <a:endParaRPr lang="fr-FR" dirty="0"/>
+          </a:p>
+        </p:txBody>
+      </p:sp>
+      <p:sp>
+        <p:nvSpPr>
+          <p:cNvPr id="3" name="Espace réservé du pied de page 2"/>
+          <p:cNvSpPr>
+            <a:spLocks noGrp="1"/>
+          </p:cNvSpPr>
+          <p:nvPr>
+            <p:ph type="ftr" sz="quarter" idx="11"/>
+          </p:nvPr>
+        </p:nvSpPr>
+        <p:spPr/>
+        <p:txBody>
+          <a:bodyPr/>
+          <a:lstStyle/>
+          <a:p>
+            <a:r>
+              <a:rPr lang="fr-FR" smtClean="0"/>
+              <a:t>Libert Pierrick, Singler Julien, Meloni Hugo, Berrouag Yannis, Gahon Alexis, Minette Alexandre</a:t>
+            </a:r>
+            <a:endParaRPr lang="fr-FR"/>
+          </a:p>
+        </p:txBody>
+      </p:sp>
+      <p:sp>
+        <p:nvSpPr>
+          <p:cNvPr id="4" name="Titre 3"/>
+          <p:cNvSpPr>
+            <a:spLocks noGrp="1"/>
+          </p:cNvSpPr>
+          <p:nvPr>
+            <p:ph type="title"/>
+          </p:nvPr>
+        </p:nvSpPr>
+        <p:spPr/>
+        <p:txBody>
+          <a:bodyPr/>
+          <a:lstStyle/>
+          <a:p>
+            <a:r>
+              <a:rPr lang="fr-FR" dirty="0" smtClean="0"/>
+              <a:t>Les fichiers .tex</a:t>
+            </a:r>
+            <a:endParaRPr lang="fr-FR" dirty="0"/>
+          </a:p>
+        </p:txBody>
+      </p:sp>
+    </p:spTree>
+    <p:extLst>
+      <p:ext uri="{BB962C8B-B14F-4D97-AF65-F5344CB8AC3E}">
+        <p14:creationId xmlns:p14="http://schemas.microsoft.com/office/powerpoint/2010/main" val="3915559489"/>
+      </p:ext>
+    </p:extLst>
+  </p:cSld>
+  <p:clrMapOvr>
+    <a:masterClrMapping/>
+  </p:clrMapOvr>
+</p:sld>
+</file>
+
+<file path=ppt/slides/slide13.xml><?xml version="1.0" encoding="utf-8"?>
+<p:sld xmlns:a="http://schemas.openxmlformats.org/drawingml/2006/main" xmlns:r="http://schemas.openxmlformats.org/officeDocument/2006/relationships" xmlns:p="http://schemas.openxmlformats.org/presentationml/2006/main">
+  <p:cSld>
+    <p:spTree>
+      <p:nvGrpSpPr>
+        <p:cNvPr id="1" name=""/>
+        <p:cNvGrpSpPr/>
+        <p:nvPr/>
+      </p:nvGrpSpPr>
+      <p:grpSpPr>
+        <a:xfrm>
+          <a:off x="0" y="0"/>
+          <a:ext cx="0" cy="0"/>
+          <a:chOff x="0" y="0"/>
+          <a:chExt cx="0" cy="0"/>
+        </a:xfrm>
+      </p:grpSpPr>
+      <p:sp>
+        <p:nvSpPr>
+          <p:cNvPr id="2" name="Espace réservé du contenu 1"/>
+          <p:cNvSpPr>
+            <a:spLocks noGrp="1"/>
+          </p:cNvSpPr>
+          <p:nvPr>
+            <p:ph idx="1"/>
+          </p:nvPr>
+        </p:nvSpPr>
+        <p:spPr/>
+        <p:txBody>
+          <a:bodyPr/>
+          <a:lstStyle/>
+          <a:p>
+            <a:r>
+              <a:rPr lang="fr-FR" dirty="0" smtClean="0"/>
+              <a:t>séparation du contenu et de la forme</a:t>
+            </a:r>
+          </a:p>
+          <a:p>
+            <a:r>
+              <a:rPr lang="fr-FR" dirty="0" smtClean="0"/>
+              <a:t>Abstraction des difficultés du langage Latex grâce à l’</a:t>
+            </a:r>
+            <a:r>
+              <a:rPr lang="fr-FR" dirty="0"/>
+              <a:t>é</a:t>
+            </a:r>
+            <a:r>
+              <a:rPr lang="fr-FR" dirty="0" smtClean="0"/>
+              <a:t>diteur en ligne de fichiers tex</a:t>
+            </a:r>
+          </a:p>
+          <a:p>
+            <a:r>
+              <a:rPr lang="fr-FR" dirty="0" smtClean="0"/>
+              <a:t>Simplifier l’étape de conception d’un document, avec une mise en forme prédéfinie</a:t>
+            </a:r>
+            <a:endParaRPr lang="fr-FR" dirty="0"/>
+          </a:p>
+        </p:txBody>
+      </p:sp>
+      <p:sp>
+        <p:nvSpPr>
+          <p:cNvPr id="3" name="Espace réservé du pied de page 2"/>
+          <p:cNvSpPr>
+            <a:spLocks noGrp="1"/>
+          </p:cNvSpPr>
+          <p:nvPr>
+            <p:ph type="ftr" sz="quarter" idx="11"/>
+          </p:nvPr>
+        </p:nvSpPr>
+        <p:spPr/>
+        <p:txBody>
+          <a:bodyPr/>
+          <a:lstStyle/>
+          <a:p>
+            <a:r>
+              <a:rPr lang="fr-FR" smtClean="0"/>
+              <a:t>Libert Pierrick, Singler Julien, Meloni Hugo, Berrouag Yannis, Gahon Alexis, Minette Alexandre</a:t>
+            </a:r>
+            <a:endParaRPr lang="fr-FR"/>
+          </a:p>
+        </p:txBody>
+      </p:sp>
+      <p:sp>
+        <p:nvSpPr>
+          <p:cNvPr id="4" name="Titre 3"/>
+          <p:cNvSpPr>
+            <a:spLocks noGrp="1"/>
+          </p:cNvSpPr>
+          <p:nvPr>
+            <p:ph type="title"/>
+          </p:nvPr>
+        </p:nvSpPr>
+        <p:spPr/>
+        <p:txBody>
+          <a:bodyPr/>
+          <a:lstStyle/>
+          <a:p>
+            <a:r>
+              <a:rPr lang="fr-FR" dirty="0" smtClean="0"/>
+              <a:t>Application au projet</a:t>
+            </a:r>
+            <a:endParaRPr lang="fr-FR" dirty="0"/>
+          </a:p>
+        </p:txBody>
+      </p:sp>
+    </p:spTree>
+    <p:extLst>
+      <p:ext uri="{BB962C8B-B14F-4D97-AF65-F5344CB8AC3E}">
+        <p14:creationId xmlns:p14="http://schemas.microsoft.com/office/powerpoint/2010/main" val="742576172"/>
+      </p:ext>
+    </p:extLst>
+  </p:cSld>
+  <p:clrMapOvr>
+    <a:masterClrMapping/>
+  </p:clrMapOvr>
+</p:sld>
+</file>
+
+<file path=ppt/slides/slide14.xml><?xml version="1.0" encoding="utf-8"?>
+<p:sld xmlns:a="http://schemas.openxmlformats.org/drawingml/2006/main" xmlns:r="http://schemas.openxmlformats.org/officeDocument/2006/relationships" xmlns:p="http://schemas.openxmlformats.org/presentationml/2006/main">
+  <p:cSld>
+    <p:spTree>
+      <p:nvGrpSpPr>
+        <p:cNvPr id="1" name=""/>
+        <p:cNvGrpSpPr/>
+        <p:nvPr/>
+      </p:nvGrpSpPr>
+      <p:grpSpPr>
+        <a:xfrm>
+          <a:off x="0" y="0"/>
+          <a:ext cx="0" cy="0"/>
+          <a:chOff x="0" y="0"/>
+          <a:chExt cx="0" cy="0"/>
+        </a:xfrm>
+      </p:grpSpPr>
+      <p:sp>
+        <p:nvSpPr>
           <p:cNvPr id="4" name="Titre 2"/>
           <p:cNvSpPr>
             <a:spLocks noGrp="1"/>
@@ -6794,7 +7371,7 @@
 </p:sld>
 </file>
 
-<file path=ppt/slides/slide11.xml><?xml version="1.0" encoding="utf-8"?>
+<file path=ppt/slides/slide15.xml><?xml version="1.0" encoding="utf-8"?>
 <p:sld xmlns:a="http://schemas.openxmlformats.org/drawingml/2006/main" xmlns:r="http://schemas.openxmlformats.org/officeDocument/2006/relationships" xmlns:p="http://schemas.openxmlformats.org/presentationml/2006/main">
   <p:cSld>
     <p:spTree>
@@ -6864,11 +7441,7 @@
           <a:p>
             <a:r>
               <a:rPr lang="fr-FR" dirty="0" smtClean="0"/>
-              <a:t>Objectifs </a:t>
-            </a:r>
-            <a:r>
-              <a:rPr lang="fr-FR" dirty="0" smtClean="0"/>
-              <a:t>non-atteints</a:t>
+              <a:t>Objectifs non-atteints</a:t>
             </a:r>
           </a:p>
           <a:p>
@@ -8802,7 +9375,18 @@
           <a:p>
             <a:r>
               <a:rPr lang="fr-FR" dirty="0" smtClean="0"/>
-              <a:t>Qu’est ce qu’un fichier .</a:t>
+              <a:t>Latex</a:t>
+            </a:r>
+            <a:endParaRPr lang="fr-FR" dirty="0" smtClean="0"/>
+          </a:p>
+          <a:p>
+            <a:r>
+              <a:rPr lang="fr-FR" dirty="0" smtClean="0"/>
+              <a:t>Qu’est </a:t>
+            </a:r>
+            <a:r>
+              <a:rPr lang="fr-FR" dirty="0" smtClean="0"/>
+              <a:t>ce qu’un fichier .</a:t>
             </a:r>
             <a:r>
               <a:rPr lang="fr-FR" dirty="0" err="1" smtClean="0"/>
@@ -8824,7 +9408,15 @@
           <a:p>
             <a:r>
               <a:rPr lang="fr-FR" dirty="0" smtClean="0"/>
-              <a:t>Compilation d’un .tek et .</a:t>
+              <a:t>Compilation d’un .</a:t>
+            </a:r>
+            <a:r>
+              <a:rPr lang="fr-FR" dirty="0" smtClean="0"/>
+              <a:t>tex </a:t>
+            </a:r>
+            <a:r>
+              <a:rPr lang="fr-FR" dirty="0" smtClean="0"/>
+              <a:t>et .</a:t>
             </a:r>
             <a:r>
               <a:rPr lang="fr-FR" dirty="0" err="1" smtClean="0"/>
@@ -8844,7 +9436,15 @@
             <a:pPr lvl="3"/>
             <a:r>
               <a:rPr lang="fr-FR" dirty="0" smtClean="0"/>
-              <a:t>Qu’est ce qu’un .tek ?</a:t>
+              <a:t>Qu’est ce qu’un .</a:t>
+            </a:r>
+            <a:r>
+              <a:rPr lang="fr-FR" dirty="0" smtClean="0"/>
+              <a:t>tex </a:t>
+            </a:r>
+            <a:r>
+              <a:rPr lang="fr-FR" dirty="0" smtClean="0"/>
+              <a:t>?</a:t>
             </a:r>
           </a:p>
           <a:p>

--- a/Documentation MelonDoc/Presentation_MelonDoc.pptx
+++ b/Documentation MelonDoc/Presentation_MelonDoc.pptx
@@ -6761,21 +6761,50 @@
           <a:bodyPr/>
           <a:lstStyle/>
           <a:p>
-            <a:r>
-              <a:rPr lang="fr-FR" dirty="0" smtClean="0"/>
-              <a:t>Langage pour l’utilisation de tex</a:t>
-            </a:r>
-          </a:p>
-          <a:p>
-            <a:r>
-              <a:rPr lang="fr-FR" dirty="0" smtClean="0"/>
-              <a:t>Simplifie les écriture compliquées (formules scientifiques)</a:t>
-            </a:r>
-          </a:p>
-          <a:p>
-            <a:r>
-              <a:rPr lang="fr-FR" dirty="0" smtClean="0"/>
-              <a:t>Langage Open Source</a:t>
+            <a:endParaRPr lang="fr-FR" dirty="0" smtClean="0"/>
+          </a:p>
+          <a:p>
+            <a:r>
+              <a:rPr lang="fr-FR" dirty="0" smtClean="0"/>
+              <a:t>Langage </a:t>
+            </a:r>
+            <a:r>
+              <a:rPr lang="fr-FR" dirty="0" smtClean="0"/>
+              <a:t>pour l’utilisation de tex</a:t>
+            </a:r>
+          </a:p>
+          <a:p>
+            <a:endParaRPr lang="fr-FR" dirty="0" smtClean="0"/>
+          </a:p>
+          <a:p>
+            <a:r>
+              <a:rPr lang="fr-FR" dirty="0" smtClean="0"/>
+              <a:t>Simplifie </a:t>
+            </a:r>
+            <a:r>
+              <a:rPr lang="fr-FR" dirty="0" smtClean="0"/>
+              <a:t>les </a:t>
+            </a:r>
+            <a:r>
+              <a:rPr lang="fr-FR" dirty="0" smtClean="0"/>
+              <a:t>écritures </a:t>
+            </a:r>
+            <a:r>
+              <a:rPr lang="fr-FR" dirty="0" smtClean="0"/>
+              <a:t>compliquées (formules scientifiques)</a:t>
+            </a:r>
+          </a:p>
+          <a:p>
+            <a:endParaRPr lang="fr-FR" dirty="0" smtClean="0"/>
+          </a:p>
+          <a:p>
+            <a:r>
+              <a:rPr lang="fr-FR" dirty="0" smtClean="0"/>
+              <a:t>Langage </a:t>
+            </a:r>
+            <a:r>
+              <a:rPr lang="fr-FR" dirty="0" smtClean="0"/>
+              <a:t>Open Source</a:t>
             </a:r>
             <a:endParaRPr lang="fr-FR" dirty="0"/>
           </a:p>
@@ -6837,6 +6866,13 @@
   <p:clrMapOvr>
     <a:masterClrMapping/>
   </p:clrMapOvr>
+  <p:timing>
+    <p:tnLst>
+      <p:par>
+        <p:cTn id="1" dur="indefinite" restart="never" nodeType="tmRoot"/>
+      </p:par>
+    </p:tnLst>
+  </p:timing>
 </p:sld>
 </file>
 
@@ -6872,15 +6908,32 @@
           <a:bodyPr/>
           <a:lstStyle/>
           <a:p>
-            <a:r>
-              <a:rPr lang="fr-FR" dirty="0" smtClean="0"/>
-              <a:t>Classes latex</a:t>
-            </a:r>
-          </a:p>
-          <a:p>
-            <a:r>
-              <a:rPr lang="fr-FR" dirty="0" smtClean="0"/>
-              <a:t>Définition des styles appliqués a un document type</a:t>
+            <a:endParaRPr lang="fr-FR" dirty="0" smtClean="0"/>
+          </a:p>
+          <a:p>
+            <a:endParaRPr lang="fr-FR" dirty="0"/>
+          </a:p>
+          <a:p>
+            <a:r>
+              <a:rPr lang="fr-FR" dirty="0" smtClean="0"/>
+              <a:t>Classes </a:t>
+            </a:r>
+            <a:r>
+              <a:rPr lang="fr-FR" dirty="0" smtClean="0"/>
+              <a:t>latex</a:t>
+            </a:r>
+          </a:p>
+          <a:p>
+            <a:endParaRPr lang="fr-FR" dirty="0" smtClean="0"/>
+          </a:p>
+          <a:p>
+            <a:r>
+              <a:rPr lang="fr-FR" dirty="0" smtClean="0"/>
+              <a:t>Définition </a:t>
+            </a:r>
+            <a:r>
+              <a:rPr lang="fr-FR" dirty="0" smtClean="0"/>
+              <a:t>des styles appliqués a un document type</a:t>
             </a:r>
           </a:p>
           <a:p>
@@ -6950,6 +7003,13 @@
   <p:clrMapOvr>
     <a:masterClrMapping/>
   </p:clrMapOvr>
+  <p:timing>
+    <p:tnLst>
+      <p:par>
+        <p:cTn id="1" dur="indefinite" restart="never" nodeType="tmRoot"/>
+      </p:par>
+    </p:tnLst>
+  </p:timing>
 </p:sld>
 </file>
 
@@ -6985,21 +7045,45 @@
           <a:bodyPr/>
           <a:lstStyle/>
           <a:p>
-            <a:r>
-              <a:rPr lang="fr-FR" dirty="0" smtClean="0"/>
-              <a:t>Ils peuvent faire appel aux classes</a:t>
-            </a:r>
-          </a:p>
-          <a:p>
-            <a:r>
-              <a:rPr lang="fr-FR" dirty="0" smtClean="0"/>
-              <a:t>Ils incluent le contenu du document final</a:t>
-            </a:r>
-          </a:p>
-          <a:p>
-            <a:r>
-              <a:rPr lang="fr-FR" dirty="0" smtClean="0"/>
-              <a:t>Dépourvus de mise en forme</a:t>
+            <a:endParaRPr lang="fr-FR" dirty="0" smtClean="0"/>
+          </a:p>
+          <a:p>
+            <a:endParaRPr lang="fr-FR" dirty="0" smtClean="0"/>
+          </a:p>
+          <a:p>
+            <a:r>
+              <a:rPr lang="fr-FR" dirty="0" smtClean="0"/>
+              <a:t>Ils </a:t>
+            </a:r>
+            <a:r>
+              <a:rPr lang="fr-FR" dirty="0" smtClean="0"/>
+              <a:t>peuvent faire appel aux classes</a:t>
+            </a:r>
+          </a:p>
+          <a:p>
+            <a:endParaRPr lang="fr-FR" dirty="0" smtClean="0"/>
+          </a:p>
+          <a:p>
+            <a:r>
+              <a:rPr lang="fr-FR" dirty="0" smtClean="0"/>
+              <a:t>Ils </a:t>
+            </a:r>
+            <a:r>
+              <a:rPr lang="fr-FR" dirty="0" smtClean="0"/>
+              <a:t>incluent le contenu du document final</a:t>
+            </a:r>
+          </a:p>
+          <a:p>
+            <a:endParaRPr lang="fr-FR" dirty="0" smtClean="0"/>
+          </a:p>
+          <a:p>
+            <a:r>
+              <a:rPr lang="fr-FR" dirty="0" smtClean="0"/>
+              <a:t>Dépourvus </a:t>
+            </a:r>
+            <a:r>
+              <a:rPr lang="fr-FR" dirty="0" smtClean="0"/>
+              <a:t>de mise en forme</a:t>
             </a:r>
             <a:endParaRPr lang="fr-FR" dirty="0"/>
           </a:p>
@@ -7096,15 +7180,33 @@
           <a:bodyPr/>
           <a:lstStyle/>
           <a:p>
-            <a:r>
-              <a:rPr lang="fr-FR" dirty="0" smtClean="0"/>
-              <a:t>séparation du contenu et de la forme</a:t>
-            </a:r>
-          </a:p>
-          <a:p>
-            <a:r>
-              <a:rPr lang="fr-FR" dirty="0" smtClean="0"/>
-              <a:t>Abstraction des difficultés du langage Latex grâce à l’</a:t>
+            <a:endParaRPr lang="fr-FR" dirty="0" smtClean="0"/>
+          </a:p>
+          <a:p>
+            <a:r>
+              <a:rPr lang="fr-FR" dirty="0"/>
+              <a:t>S</a:t>
+            </a:r>
+            <a:r>
+              <a:rPr lang="fr-FR" dirty="0" smtClean="0"/>
+              <a:t>éparation </a:t>
+            </a:r>
+            <a:r>
+              <a:rPr lang="fr-FR" dirty="0" smtClean="0"/>
+              <a:t>du contenu et de la forme</a:t>
+            </a:r>
+          </a:p>
+          <a:p>
+            <a:endParaRPr lang="fr-FR" dirty="0" smtClean="0"/>
+          </a:p>
+          <a:p>
+            <a:r>
+              <a:rPr lang="fr-FR" dirty="0" smtClean="0"/>
+              <a:t>Abstraction </a:t>
+            </a:r>
+            <a:r>
+              <a:rPr lang="fr-FR" dirty="0" smtClean="0"/>
+              <a:t>des difficultés du langage Latex grâce à l’</a:t>
             </a:r>
             <a:r>
               <a:rPr lang="fr-FR" dirty="0"/>
@@ -7116,9 +7218,16 @@
             </a:r>
           </a:p>
           <a:p>
-            <a:r>
-              <a:rPr lang="fr-FR" dirty="0" smtClean="0"/>
-              <a:t>Simplifier l’étape de conception d’un document, avec une mise en forme prédéfinie</a:t>
+            <a:endParaRPr lang="fr-FR" dirty="0" smtClean="0"/>
+          </a:p>
+          <a:p>
+            <a:r>
+              <a:rPr lang="fr-FR" dirty="0" smtClean="0"/>
+              <a:t>Simplifier </a:t>
+            </a:r>
+            <a:r>
+              <a:rPr lang="fr-FR" dirty="0" smtClean="0"/>
+              <a:t>l’étape de conception d’un document, avec une mise en forme prédéfinie</a:t>
             </a:r>
             <a:endParaRPr lang="fr-FR" dirty="0"/>
           </a:p>
@@ -7447,15 +7556,19 @@
           <a:p>
             <a:pPr lvl="3"/>
             <a:r>
-              <a:rPr lang="fr-FR" dirty="0" smtClean="0"/>
-              <a:t>Amélioration de l’éditeur</a:t>
+              <a:rPr lang="fr-FR" dirty="0"/>
+              <a:t>Amélioration et dynamisme de l’éditeur</a:t>
             </a:r>
           </a:p>
           <a:p>
             <a:pPr lvl="3"/>
             <a:r>
               <a:rPr lang="fr-FR" dirty="0" smtClean="0"/>
-              <a:t>Implémentation complète des templates</a:t>
+              <a:t>Implémentation </a:t>
+            </a:r>
+            <a:r>
+              <a:rPr lang="fr-FR" dirty="0" smtClean="0"/>
+              <a:t>complète des templates</a:t>
             </a:r>
           </a:p>
           <a:p>
@@ -8755,6 +8868,156 @@
           </a:p>
         </p:txBody>
       </p:sp>
+      <p:pic>
+        <p:nvPicPr>
+          <p:cNvPr id="4" name="Image 3"/>
+          <p:cNvPicPr>
+            <a:picLocks noChangeAspect="1"/>
+          </p:cNvPicPr>
+          <p:nvPr/>
+        </p:nvPicPr>
+        <p:blipFill>
+          <a:blip r:embed="rId3">
+            <a:extLst>
+              <a:ext uri="{28A0092B-C50C-407E-A947-70E740481C1C}">
+                <a14:useLocalDpi xmlns:a14="http://schemas.microsoft.com/office/drawing/2010/main" val="0"/>
+              </a:ext>
+            </a:extLst>
+          </a:blip>
+          <a:stretch>
+            <a:fillRect/>
+          </a:stretch>
+        </p:blipFill>
+        <p:spPr>
+          <a:xfrm>
+            <a:off x="-9685584" y="764704"/>
+            <a:ext cx="9144000" cy="5031061"/>
+          </a:xfrm>
+          <a:prstGeom prst="rect">
+            <a:avLst/>
+          </a:prstGeom>
+        </p:spPr>
+      </p:pic>
+      <p:pic>
+        <p:nvPicPr>
+          <p:cNvPr id="5" name="Image 4"/>
+          <p:cNvPicPr>
+            <a:picLocks noChangeAspect="1"/>
+          </p:cNvPicPr>
+          <p:nvPr/>
+        </p:nvPicPr>
+        <p:blipFill>
+          <a:blip r:embed="rId4">
+            <a:extLst>
+              <a:ext uri="{28A0092B-C50C-407E-A947-70E740481C1C}">
+                <a14:useLocalDpi xmlns:a14="http://schemas.microsoft.com/office/drawing/2010/main" val="0"/>
+              </a:ext>
+            </a:extLst>
+          </a:blip>
+          <a:stretch>
+            <a:fillRect/>
+          </a:stretch>
+        </p:blipFill>
+        <p:spPr>
+          <a:xfrm>
+            <a:off x="9972600" y="2492896"/>
+            <a:ext cx="9144000" cy="1762210"/>
+          </a:xfrm>
+          <a:prstGeom prst="rect">
+            <a:avLst/>
+          </a:prstGeom>
+        </p:spPr>
+      </p:pic>
+      <p:pic>
+        <p:nvPicPr>
+          <p:cNvPr id="8" name="Image 7"/>
+          <p:cNvPicPr>
+            <a:picLocks noChangeAspect="1"/>
+          </p:cNvPicPr>
+          <p:nvPr/>
+        </p:nvPicPr>
+        <p:blipFill>
+          <a:blip r:embed="rId5">
+            <a:extLst>
+              <a:ext uri="{28A0092B-C50C-407E-A947-70E740481C1C}">
+                <a14:useLocalDpi xmlns:a14="http://schemas.microsoft.com/office/drawing/2010/main" val="0"/>
+              </a:ext>
+            </a:extLst>
+          </a:blip>
+          <a:stretch>
+            <a:fillRect/>
+          </a:stretch>
+        </p:blipFill>
+        <p:spPr>
+          <a:xfrm>
+            <a:off x="30848" y="-7228184"/>
+            <a:ext cx="8979129" cy="6858000"/>
+          </a:xfrm>
+          <a:prstGeom prst="rect">
+            <a:avLst/>
+          </a:prstGeom>
+        </p:spPr>
+      </p:pic>
+      <p:pic>
+        <p:nvPicPr>
+          <p:cNvPr id="9" name="Image 8"/>
+          <p:cNvPicPr>
+            <a:picLocks noChangeAspect="1"/>
+          </p:cNvPicPr>
+          <p:nvPr/>
+        </p:nvPicPr>
+        <p:blipFill>
+          <a:blip r:embed="rId6">
+            <a:extLst>
+              <a:ext uri="{28A0092B-C50C-407E-A947-70E740481C1C}">
+                <a14:useLocalDpi xmlns:a14="http://schemas.microsoft.com/office/drawing/2010/main" val="0"/>
+              </a:ext>
+            </a:extLst>
+          </a:blip>
+          <a:stretch>
+            <a:fillRect/>
+          </a:stretch>
+        </p:blipFill>
+        <p:spPr>
+          <a:xfrm>
+            <a:off x="42272" y="7461448"/>
+            <a:ext cx="8992856" cy="5887272"/>
+          </a:xfrm>
+          <a:prstGeom prst="rect">
+            <a:avLst/>
+          </a:prstGeom>
+        </p:spPr>
+      </p:pic>
+      <p:pic>
+        <p:nvPicPr>
+          <p:cNvPr id="10" name="Image 9"/>
+          <p:cNvPicPr>
+            <a:picLocks noChangeAspect="1"/>
+          </p:cNvPicPr>
+          <p:nvPr/>
+        </p:nvPicPr>
+        <p:blipFill>
+          <a:blip r:embed="rId7">
+            <a:extLst>
+              <a:ext uri="{28A0092B-C50C-407E-A947-70E740481C1C}">
+                <a14:useLocalDpi xmlns:a14="http://schemas.microsoft.com/office/drawing/2010/main" val="0"/>
+              </a:ext>
+            </a:extLst>
+          </a:blip>
+          <a:stretch>
+            <a:fillRect/>
+          </a:stretch>
+        </p:blipFill>
+        <p:spPr>
+          <a:xfrm>
+            <a:off x="9900591" y="7461448"/>
+            <a:ext cx="7956591" cy="6022234"/>
+          </a:xfrm>
+          <a:prstGeom prst="rect">
+            <a:avLst/>
+          </a:prstGeom>
+        </p:spPr>
+      </p:pic>
     </p:spTree>
     <p:extLst>
       <p:ext uri="{BB962C8B-B14F-4D97-AF65-F5344CB8AC3E}">
@@ -8768,7 +9031,442 @@
   <p:timing>
     <p:tnLst>
       <p:par>
-        <p:cTn id="1" dur="indefinite" restart="never" nodeType="tmRoot"/>
+        <p:cTn id="1" dur="indefinite" restart="never" nodeType="tmRoot">
+          <p:childTnLst>
+            <p:seq concurrent="1" nextAc="seek">
+              <p:cTn id="2" dur="indefinite" nodeType="mainSeq">
+                <p:childTnLst>
+                  <p:par>
+                    <p:cTn id="3" fill="hold">
+                      <p:stCondLst>
+                        <p:cond delay="indefinite"/>
+                      </p:stCondLst>
+                      <p:childTnLst>
+                        <p:par>
+                          <p:cTn id="4" fill="hold">
+                            <p:stCondLst>
+                              <p:cond delay="0"/>
+                            </p:stCondLst>
+                            <p:childTnLst>
+                              <p:par>
+                                <p:cTn id="5" presetID="42" presetClass="path" presetSubtype="0" accel="50000" decel="50000" fill="hold" nodeType="clickEffect">
+                                  <p:stCondLst>
+                                    <p:cond delay="0"/>
+                                  </p:stCondLst>
+                                  <p:childTnLst>
+                                    <p:animMotion origin="layout" path="M -4.44444E-6 4.81481E-6 L 1.07292 4.81481E-6 " pathEditMode="relative" rAng="0" ptsTypes="AA">
+                                      <p:cBhvr>
+                                        <p:cTn id="6" dur="2000" fill="hold"/>
+                                        <p:tgtEl>
+                                          <p:spTgt spid="4"/>
+                                        </p:tgtEl>
+                                        <p:attrNameLst>
+                                          <p:attrName>ppt_x</p:attrName>
+                                          <p:attrName>ppt_y</p:attrName>
+                                        </p:attrNameLst>
+                                      </p:cBhvr>
+                                      <p:rCtr x="53646" y="0"/>
+                                    </p:animMotion>
+                                  </p:childTnLst>
+                                </p:cTn>
+                              </p:par>
+                            </p:childTnLst>
+                          </p:cTn>
+                        </p:par>
+                      </p:childTnLst>
+                    </p:cTn>
+                  </p:par>
+                  <p:par>
+                    <p:cTn id="7" fill="hold">
+                      <p:stCondLst>
+                        <p:cond delay="indefinite"/>
+                      </p:stCondLst>
+                      <p:childTnLst>
+                        <p:par>
+                          <p:cTn id="8" fill="hold">
+                            <p:stCondLst>
+                              <p:cond delay="0"/>
+                            </p:stCondLst>
+                            <p:childTnLst>
+                              <p:par>
+                                <p:cTn id="9" presetID="10" presetClass="exit" presetSubtype="0" fill="hold" nodeType="clickEffect">
+                                  <p:stCondLst>
+                                    <p:cond delay="0"/>
+                                  </p:stCondLst>
+                                  <p:childTnLst>
+                                    <p:animEffect transition="out" filter="fade">
+                                      <p:cBhvr>
+                                        <p:cTn id="10" dur="500"/>
+                                        <p:tgtEl>
+                                          <p:spTgt spid="4"/>
+                                        </p:tgtEl>
+                                      </p:cBhvr>
+                                    </p:animEffect>
+                                    <p:set>
+                                      <p:cBhvr>
+                                        <p:cTn id="11" dur="1" fill="hold">
+                                          <p:stCondLst>
+                                            <p:cond delay="499"/>
+                                          </p:stCondLst>
+                                        </p:cTn>
+                                        <p:tgtEl>
+                                          <p:spTgt spid="4"/>
+                                        </p:tgtEl>
+                                        <p:attrNameLst>
+                                          <p:attrName>style.visibility</p:attrName>
+                                        </p:attrNameLst>
+                                      </p:cBhvr>
+                                      <p:to>
+                                        <p:strVal val="hidden"/>
+                                      </p:to>
+                                    </p:set>
+                                  </p:childTnLst>
+                                </p:cTn>
+                              </p:par>
+                            </p:childTnLst>
+                          </p:cTn>
+                        </p:par>
+                      </p:childTnLst>
+                    </p:cTn>
+                  </p:par>
+                  <p:par>
+                    <p:cTn id="12" fill="hold">
+                      <p:stCondLst>
+                        <p:cond delay="indefinite"/>
+                      </p:stCondLst>
+                      <p:childTnLst>
+                        <p:par>
+                          <p:cTn id="13" fill="hold">
+                            <p:stCondLst>
+                              <p:cond delay="0"/>
+                            </p:stCondLst>
+                            <p:childTnLst>
+                              <p:par>
+                                <p:cTn id="14" presetID="42" presetClass="path" presetSubtype="0" accel="50000" decel="50000" fill="hold" nodeType="clickEffect">
+                                  <p:stCondLst>
+                                    <p:cond delay="0"/>
+                                  </p:stCondLst>
+                                  <p:childTnLst>
+                                    <p:animMotion origin="layout" path="M 5E-6 1.85185E-6 L -1.09063 -0.00232 " pathEditMode="relative" rAng="0" ptsTypes="AA">
+                                      <p:cBhvr>
+                                        <p:cTn id="15" dur="2000" fill="hold"/>
+                                        <p:tgtEl>
+                                          <p:spTgt spid="5"/>
+                                        </p:tgtEl>
+                                        <p:attrNameLst>
+                                          <p:attrName>ppt_x</p:attrName>
+                                          <p:attrName>ppt_y</p:attrName>
+                                        </p:attrNameLst>
+                                      </p:cBhvr>
+                                      <p:rCtr x="-54531" y="-116"/>
+                                    </p:animMotion>
+                                  </p:childTnLst>
+                                </p:cTn>
+                              </p:par>
+                            </p:childTnLst>
+                          </p:cTn>
+                        </p:par>
+                      </p:childTnLst>
+                    </p:cTn>
+                  </p:par>
+                  <p:par>
+                    <p:cTn id="16" fill="hold">
+                      <p:stCondLst>
+                        <p:cond delay="indefinite"/>
+                      </p:stCondLst>
+                      <p:childTnLst>
+                        <p:par>
+                          <p:cTn id="17" fill="hold">
+                            <p:stCondLst>
+                              <p:cond delay="0"/>
+                            </p:stCondLst>
+                            <p:childTnLst>
+                              <p:par>
+                                <p:cTn id="18" presetID="10" presetClass="exit" presetSubtype="0" fill="hold" nodeType="clickEffect">
+                                  <p:stCondLst>
+                                    <p:cond delay="0"/>
+                                  </p:stCondLst>
+                                  <p:childTnLst>
+                                    <p:animEffect transition="out" filter="fade">
+                                      <p:cBhvr>
+                                        <p:cTn id="19" dur="500"/>
+                                        <p:tgtEl>
+                                          <p:spTgt spid="5"/>
+                                        </p:tgtEl>
+                                      </p:cBhvr>
+                                    </p:animEffect>
+                                    <p:set>
+                                      <p:cBhvr>
+                                        <p:cTn id="20" dur="1" fill="hold">
+                                          <p:stCondLst>
+                                            <p:cond delay="499"/>
+                                          </p:stCondLst>
+                                        </p:cTn>
+                                        <p:tgtEl>
+                                          <p:spTgt spid="5"/>
+                                        </p:tgtEl>
+                                        <p:attrNameLst>
+                                          <p:attrName>style.visibility</p:attrName>
+                                        </p:attrNameLst>
+                                      </p:cBhvr>
+                                      <p:to>
+                                        <p:strVal val="hidden"/>
+                                      </p:to>
+                                    </p:set>
+                                  </p:childTnLst>
+                                </p:cTn>
+                              </p:par>
+                            </p:childTnLst>
+                          </p:cTn>
+                        </p:par>
+                      </p:childTnLst>
+                    </p:cTn>
+                  </p:par>
+                  <p:par>
+                    <p:cTn id="21" fill="hold">
+                      <p:stCondLst>
+                        <p:cond delay="indefinite"/>
+                      </p:stCondLst>
+                      <p:childTnLst>
+                        <p:par>
+                          <p:cTn id="22" fill="hold">
+                            <p:stCondLst>
+                              <p:cond delay="0"/>
+                            </p:stCondLst>
+                            <p:childTnLst>
+                              <p:par>
+                                <p:cTn id="23" presetID="42" presetClass="path" presetSubtype="0" accel="50000" decel="50000" fill="hold" nodeType="clickEffect">
+                                  <p:stCondLst>
+                                    <p:cond delay="0"/>
+                                  </p:stCondLst>
+                                  <p:childTnLst>
+                                    <p:animMotion origin="layout" path="M -8.33333E-7 -4.81481E-6 L 0.00573 1.06436 " pathEditMode="relative" rAng="0" ptsTypes="AA">
+                                      <p:cBhvr>
+                                        <p:cTn id="24" dur="2000" fill="hold"/>
+                                        <p:tgtEl>
+                                          <p:spTgt spid="8"/>
+                                        </p:tgtEl>
+                                        <p:attrNameLst>
+                                          <p:attrName>ppt_x</p:attrName>
+                                          <p:attrName>ppt_y</p:attrName>
+                                        </p:attrNameLst>
+                                      </p:cBhvr>
+                                      <p:rCtr x="278" y="53218"/>
+                                    </p:animMotion>
+                                  </p:childTnLst>
+                                </p:cTn>
+                              </p:par>
+                            </p:childTnLst>
+                          </p:cTn>
+                        </p:par>
+                      </p:childTnLst>
+                    </p:cTn>
+                  </p:par>
+                  <p:par>
+                    <p:cTn id="25" fill="hold">
+                      <p:stCondLst>
+                        <p:cond delay="indefinite"/>
+                      </p:stCondLst>
+                      <p:childTnLst>
+                        <p:par>
+                          <p:cTn id="26" fill="hold">
+                            <p:stCondLst>
+                              <p:cond delay="0"/>
+                            </p:stCondLst>
+                            <p:childTnLst>
+                              <p:par>
+                                <p:cTn id="27" presetID="10" presetClass="exit" presetSubtype="0" fill="hold" nodeType="clickEffect">
+                                  <p:stCondLst>
+                                    <p:cond delay="0"/>
+                                  </p:stCondLst>
+                                  <p:childTnLst>
+                                    <p:animEffect transition="out" filter="fade">
+                                      <p:cBhvr>
+                                        <p:cTn id="28" dur="500"/>
+                                        <p:tgtEl>
+                                          <p:spTgt spid="8"/>
+                                        </p:tgtEl>
+                                      </p:cBhvr>
+                                    </p:animEffect>
+                                    <p:set>
+                                      <p:cBhvr>
+                                        <p:cTn id="29" dur="1" fill="hold">
+                                          <p:stCondLst>
+                                            <p:cond delay="499"/>
+                                          </p:stCondLst>
+                                        </p:cTn>
+                                        <p:tgtEl>
+                                          <p:spTgt spid="8"/>
+                                        </p:tgtEl>
+                                        <p:attrNameLst>
+                                          <p:attrName>style.visibility</p:attrName>
+                                        </p:attrNameLst>
+                                      </p:cBhvr>
+                                      <p:to>
+                                        <p:strVal val="hidden"/>
+                                      </p:to>
+                                    </p:set>
+                                  </p:childTnLst>
+                                </p:cTn>
+                              </p:par>
+                            </p:childTnLst>
+                          </p:cTn>
+                        </p:par>
+                      </p:childTnLst>
+                    </p:cTn>
+                  </p:par>
+                  <p:par>
+                    <p:cTn id="30" fill="hold">
+                      <p:stCondLst>
+                        <p:cond delay="indefinite"/>
+                      </p:stCondLst>
+                      <p:childTnLst>
+                        <p:par>
+                          <p:cTn id="31" fill="hold">
+                            <p:stCondLst>
+                              <p:cond delay="0"/>
+                            </p:stCondLst>
+                            <p:childTnLst>
+                              <p:par>
+                                <p:cTn id="32" presetID="42" presetClass="path" presetSubtype="0" accel="50000" decel="50000" fill="hold" nodeType="clickEffect">
+                                  <p:stCondLst>
+                                    <p:cond delay="0"/>
+                                  </p:stCondLst>
+                                  <p:childTnLst>
+                                    <p:animMotion origin="layout" path="M -4.16667E-6 3.7037E-7 L -0.00416 -1.02755 " pathEditMode="relative" rAng="0" ptsTypes="AA">
+                                      <p:cBhvr>
+                                        <p:cTn id="33" dur="2000" fill="hold"/>
+                                        <p:tgtEl>
+                                          <p:spTgt spid="9"/>
+                                        </p:tgtEl>
+                                        <p:attrNameLst>
+                                          <p:attrName>ppt_x</p:attrName>
+                                          <p:attrName>ppt_y</p:attrName>
+                                        </p:attrNameLst>
+                                      </p:cBhvr>
+                                      <p:rCtr x="-208" y="-51389"/>
+                                    </p:animMotion>
+                                  </p:childTnLst>
+                                </p:cTn>
+                              </p:par>
+                            </p:childTnLst>
+                          </p:cTn>
+                        </p:par>
+                      </p:childTnLst>
+                    </p:cTn>
+                  </p:par>
+                  <p:par>
+                    <p:cTn id="34" fill="hold">
+                      <p:stCondLst>
+                        <p:cond delay="indefinite"/>
+                      </p:stCondLst>
+                      <p:childTnLst>
+                        <p:par>
+                          <p:cTn id="35" fill="hold">
+                            <p:stCondLst>
+                              <p:cond delay="0"/>
+                            </p:stCondLst>
+                            <p:childTnLst>
+                              <p:par>
+                                <p:cTn id="36" presetID="10" presetClass="exit" presetSubtype="0" fill="hold" nodeType="clickEffect">
+                                  <p:stCondLst>
+                                    <p:cond delay="0"/>
+                                  </p:stCondLst>
+                                  <p:childTnLst>
+                                    <p:animEffect transition="out" filter="fade">
+                                      <p:cBhvr>
+                                        <p:cTn id="37" dur="500"/>
+                                        <p:tgtEl>
+                                          <p:spTgt spid="9"/>
+                                        </p:tgtEl>
+                                      </p:cBhvr>
+                                    </p:animEffect>
+                                    <p:set>
+                                      <p:cBhvr>
+                                        <p:cTn id="38" dur="1" fill="hold">
+                                          <p:stCondLst>
+                                            <p:cond delay="499"/>
+                                          </p:stCondLst>
+                                        </p:cTn>
+                                        <p:tgtEl>
+                                          <p:spTgt spid="9"/>
+                                        </p:tgtEl>
+                                        <p:attrNameLst>
+                                          <p:attrName>style.visibility</p:attrName>
+                                        </p:attrNameLst>
+                                      </p:cBhvr>
+                                      <p:to>
+                                        <p:strVal val="hidden"/>
+                                      </p:to>
+                                    </p:set>
+                                  </p:childTnLst>
+                                </p:cTn>
+                              </p:par>
+                            </p:childTnLst>
+                          </p:cTn>
+                        </p:par>
+                      </p:childTnLst>
+                    </p:cTn>
+                  </p:par>
+                  <p:par>
+                    <p:cTn id="39" fill="hold">
+                      <p:stCondLst>
+                        <p:cond delay="indefinite"/>
+                      </p:stCondLst>
+                      <p:childTnLst>
+                        <p:par>
+                          <p:cTn id="40" fill="hold">
+                            <p:stCondLst>
+                              <p:cond delay="0"/>
+                            </p:stCondLst>
+                            <p:childTnLst>
+                              <p:par>
+                                <p:cTn id="41" presetID="42" presetClass="path" presetSubtype="0" accel="50000" decel="50000" fill="hold" nodeType="clickEffect">
+                                  <p:stCondLst>
+                                    <p:cond delay="0"/>
+                                  </p:stCondLst>
+                                  <p:childTnLst>
+                                    <p:animMotion origin="layout" path="M -1.94444E-6 -3.33333E-6 L -1.01007 -1.01666 " pathEditMode="relative" rAng="0" ptsTypes="AA">
+                                      <p:cBhvr>
+                                        <p:cTn id="42" dur="2000" fill="hold"/>
+                                        <p:tgtEl>
+                                          <p:spTgt spid="10"/>
+                                        </p:tgtEl>
+                                        <p:attrNameLst>
+                                          <p:attrName>ppt_x</p:attrName>
+                                          <p:attrName>ppt_y</p:attrName>
+                                        </p:attrNameLst>
+                                      </p:cBhvr>
+                                      <p:rCtr x="-50503" y="-50833"/>
+                                    </p:animMotion>
+                                  </p:childTnLst>
+                                </p:cTn>
+                              </p:par>
+                            </p:childTnLst>
+                          </p:cTn>
+                        </p:par>
+                      </p:childTnLst>
+                    </p:cTn>
+                  </p:par>
+                </p:childTnLst>
+              </p:cTn>
+              <p:prevCondLst>
+                <p:cond evt="onPrev" delay="0">
+                  <p:tgtEl>
+                    <p:sldTgt/>
+                  </p:tgtEl>
+                </p:cond>
+              </p:prevCondLst>
+              <p:nextCondLst>
+                <p:cond evt="onNext" delay="0">
+                  <p:tgtEl>
+                    <p:sldTgt/>
+                  </p:tgtEl>
+                </p:cond>
+              </p:nextCondLst>
+            </p:seq>
+          </p:childTnLst>
+        </p:cTn>
       </p:par>
     </p:tnLst>
   </p:timing>
@@ -8814,6 +9512,7 @@
               <a:rPr lang="fr-FR" dirty="0" smtClean="0"/>
               <a:t>Fonctionnalités</a:t>
             </a:r>
+            <a:endParaRPr lang="fr-FR" dirty="0" smtClean="0"/>
           </a:p>
           <a:p>
             <a:pPr lvl="3"/>
@@ -9025,6 +9724,66 @@
           </a:p>
         </p:txBody>
       </p:sp>
+      <p:pic>
+        <p:nvPicPr>
+          <p:cNvPr id="4" name="Image 3"/>
+          <p:cNvPicPr>
+            <a:picLocks noChangeAspect="1"/>
+          </p:cNvPicPr>
+          <p:nvPr/>
+        </p:nvPicPr>
+        <p:blipFill>
+          <a:blip r:embed="rId3">
+            <a:extLst>
+              <a:ext uri="{28A0092B-C50C-407E-A947-70E740481C1C}">
+                <a14:useLocalDpi xmlns:a14="http://schemas.microsoft.com/office/drawing/2010/main" val="0"/>
+              </a:ext>
+            </a:extLst>
+          </a:blip>
+          <a:stretch>
+            <a:fillRect/>
+          </a:stretch>
+        </p:blipFill>
+        <p:spPr>
+          <a:xfrm>
+            <a:off x="-10117632" y="260647"/>
+            <a:ext cx="9144000" cy="5913069"/>
+          </a:xfrm>
+          <a:prstGeom prst="rect">
+            <a:avLst/>
+          </a:prstGeom>
+        </p:spPr>
+      </p:pic>
+      <p:pic>
+        <p:nvPicPr>
+          <p:cNvPr id="5" name="Image 4"/>
+          <p:cNvPicPr>
+            <a:picLocks noChangeAspect="1"/>
+          </p:cNvPicPr>
+          <p:nvPr/>
+        </p:nvPicPr>
+        <p:blipFill>
+          <a:blip r:embed="rId4">
+            <a:extLst>
+              <a:ext uri="{28A0092B-C50C-407E-A947-70E740481C1C}">
+                <a14:useLocalDpi xmlns:a14="http://schemas.microsoft.com/office/drawing/2010/main" val="0"/>
+              </a:ext>
+            </a:extLst>
+          </a:blip>
+          <a:stretch>
+            <a:fillRect/>
+          </a:stretch>
+        </p:blipFill>
+        <p:spPr>
+          <a:xfrm>
+            <a:off x="9972600" y="692696"/>
+            <a:ext cx="9144000" cy="5254805"/>
+          </a:xfrm>
+          <a:prstGeom prst="rect">
+            <a:avLst/>
+          </a:prstGeom>
+        </p:spPr>
+      </p:pic>
     </p:spTree>
     <p:extLst>
       <p:ext uri="{BB962C8B-B14F-4D97-AF65-F5344CB8AC3E}">
@@ -9038,7 +9797,216 @@
   <p:timing>
     <p:tnLst>
       <p:par>
-        <p:cTn id="1" dur="indefinite" restart="never" nodeType="tmRoot"/>
+        <p:cTn id="1" dur="indefinite" restart="never" nodeType="tmRoot">
+          <p:childTnLst>
+            <p:seq concurrent="1" nextAc="seek">
+              <p:cTn id="2" dur="indefinite" nodeType="mainSeq">
+                <p:childTnLst>
+                  <p:par>
+                    <p:cTn id="3" fill="hold">
+                      <p:stCondLst>
+                        <p:cond delay="indefinite"/>
+                      </p:stCondLst>
+                      <p:childTnLst>
+                        <p:par>
+                          <p:cTn id="4" fill="hold">
+                            <p:stCondLst>
+                              <p:cond delay="0"/>
+                            </p:stCondLst>
+                            <p:childTnLst>
+                              <p:par>
+                                <p:cTn id="5" presetID="42" presetClass="path" presetSubtype="0" accel="50000" decel="50000" fill="hold" nodeType="clickEffect">
+                                  <p:stCondLst>
+                                    <p:cond delay="0"/>
+                                  </p:stCondLst>
+                                  <p:childTnLst>
+                                    <p:animMotion origin="layout" path="M 3.61111E-6 -1.11111E-6 L 1.10642 0.00533 " pathEditMode="relative" rAng="0" ptsTypes="AA">
+                                      <p:cBhvr>
+                                        <p:cTn id="6" dur="2000" fill="hold"/>
+                                        <p:tgtEl>
+                                          <p:spTgt spid="4"/>
+                                        </p:tgtEl>
+                                        <p:attrNameLst>
+                                          <p:attrName>ppt_x</p:attrName>
+                                          <p:attrName>ppt_y</p:attrName>
+                                        </p:attrNameLst>
+                                      </p:cBhvr>
+                                      <p:rCtr x="55330" y="255"/>
+                                    </p:animMotion>
+                                  </p:childTnLst>
+                                </p:cTn>
+                              </p:par>
+                            </p:childTnLst>
+                          </p:cTn>
+                        </p:par>
+                      </p:childTnLst>
+                    </p:cTn>
+                  </p:par>
+                  <p:par>
+                    <p:cTn id="7" fill="hold">
+                      <p:stCondLst>
+                        <p:cond delay="indefinite"/>
+                      </p:stCondLst>
+                      <p:childTnLst>
+                        <p:par>
+                          <p:cTn id="8" fill="hold">
+                            <p:stCondLst>
+                              <p:cond delay="0"/>
+                            </p:stCondLst>
+                            <p:childTnLst>
+                              <p:par>
+                                <p:cTn id="9" presetID="10" presetClass="exit" presetSubtype="0" fill="hold" nodeType="clickEffect">
+                                  <p:stCondLst>
+                                    <p:cond delay="0"/>
+                                  </p:stCondLst>
+                                  <p:childTnLst>
+                                    <p:animEffect transition="out" filter="fade">
+                                      <p:cBhvr>
+                                        <p:cTn id="10" dur="500"/>
+                                        <p:tgtEl>
+                                          <p:spTgt spid="4"/>
+                                        </p:tgtEl>
+                                      </p:cBhvr>
+                                    </p:animEffect>
+                                    <p:set>
+                                      <p:cBhvr>
+                                        <p:cTn id="11" dur="1" fill="hold">
+                                          <p:stCondLst>
+                                            <p:cond delay="499"/>
+                                          </p:stCondLst>
+                                        </p:cTn>
+                                        <p:tgtEl>
+                                          <p:spTgt spid="4"/>
+                                        </p:tgtEl>
+                                        <p:attrNameLst>
+                                          <p:attrName>style.visibility</p:attrName>
+                                        </p:attrNameLst>
+                                      </p:cBhvr>
+                                      <p:to>
+                                        <p:strVal val="hidden"/>
+                                      </p:to>
+                                    </p:set>
+                                  </p:childTnLst>
+                                </p:cTn>
+                              </p:par>
+                            </p:childTnLst>
+                          </p:cTn>
+                        </p:par>
+                      </p:childTnLst>
+                    </p:cTn>
+                  </p:par>
+                  <p:par>
+                    <p:cTn id="12" fill="hold">
+                      <p:stCondLst>
+                        <p:cond delay="indefinite"/>
+                      </p:stCondLst>
+                      <p:childTnLst>
+                        <p:par>
+                          <p:cTn id="13" fill="hold">
+                            <p:stCondLst>
+                              <p:cond delay="0"/>
+                            </p:stCondLst>
+                            <p:childTnLst>
+                              <p:par>
+                                <p:cTn id="14" presetID="42" presetClass="path" presetSubtype="0" accel="50000" decel="50000" fill="hold" nodeType="clickEffect">
+                                  <p:stCondLst>
+                                    <p:cond delay="0"/>
+                                  </p:stCondLst>
+                                  <p:childTnLst>
+                                    <p:animMotion origin="layout" path="M 5E-6 2.22222E-6 L -1.10643 -0.00509 " pathEditMode="relative" rAng="0" ptsTypes="AA">
+                                      <p:cBhvr>
+                                        <p:cTn id="15" dur="2000" fill="hold"/>
+                                        <p:tgtEl>
+                                          <p:spTgt spid="5"/>
+                                        </p:tgtEl>
+                                        <p:attrNameLst>
+                                          <p:attrName>ppt_x</p:attrName>
+                                          <p:attrName>ppt_y</p:attrName>
+                                        </p:attrNameLst>
+                                      </p:cBhvr>
+                                      <p:rCtr x="-55330" y="-255"/>
+                                    </p:animMotion>
+                                  </p:childTnLst>
+                                </p:cTn>
+                              </p:par>
+                            </p:childTnLst>
+                          </p:cTn>
+                        </p:par>
+                      </p:childTnLst>
+                    </p:cTn>
+                  </p:par>
+                  <p:par>
+                    <p:cTn id="16" fill="hold">
+                      <p:stCondLst>
+                        <p:cond delay="indefinite"/>
+                      </p:stCondLst>
+                      <p:childTnLst>
+                        <p:par>
+                          <p:cTn id="17" fill="hold">
+                            <p:stCondLst>
+                              <p:cond delay="0"/>
+                            </p:stCondLst>
+                            <p:childTnLst>
+                              <p:par>
+                                <p:cTn id="18" presetID="10" presetClass="exit" presetSubtype="0" fill="hold" nodeType="clickEffect">
+                                  <p:stCondLst>
+                                    <p:cond delay="0"/>
+                                  </p:stCondLst>
+                                  <p:childTnLst>
+                                    <p:animEffect transition="out" filter="fade">
+                                      <p:cBhvr>
+                                        <p:cTn id="19" dur="500"/>
+                                        <p:tgtEl>
+                                          <p:spTgt spid="5"/>
+                                        </p:tgtEl>
+                                      </p:cBhvr>
+                                    </p:animEffect>
+                                    <p:set>
+                                      <p:cBhvr>
+                                        <p:cTn id="20" dur="1" fill="hold">
+                                          <p:stCondLst>
+                                            <p:cond delay="499"/>
+                                          </p:stCondLst>
+                                        </p:cTn>
+                                        <p:tgtEl>
+                                          <p:spTgt spid="5"/>
+                                        </p:tgtEl>
+                                        <p:attrNameLst>
+                                          <p:attrName>style.visibility</p:attrName>
+                                        </p:attrNameLst>
+                                      </p:cBhvr>
+                                      <p:to>
+                                        <p:strVal val="hidden"/>
+                                      </p:to>
+                                    </p:set>
+                                  </p:childTnLst>
+                                </p:cTn>
+                              </p:par>
+                            </p:childTnLst>
+                          </p:cTn>
+                        </p:par>
+                      </p:childTnLst>
+                    </p:cTn>
+                  </p:par>
+                </p:childTnLst>
+              </p:cTn>
+              <p:prevCondLst>
+                <p:cond evt="onPrev" delay="0">
+                  <p:tgtEl>
+                    <p:sldTgt/>
+                  </p:tgtEl>
+                </p:cond>
+              </p:prevCondLst>
+              <p:nextCondLst>
+                <p:cond evt="onNext" delay="0">
+                  <p:tgtEl>
+                    <p:sldTgt/>
+                  </p:tgtEl>
+                </p:cond>
+              </p:nextCondLst>
+            </p:seq>
+          </p:childTnLst>
+        </p:cTn>
       </p:par>
     </p:tnLst>
   </p:timing>
@@ -9321,6 +10289,194 @@
           </a:p>
         </p:txBody>
       </p:sp>
+      <p:pic>
+        <p:nvPicPr>
+          <p:cNvPr id="4" name="Image 3"/>
+          <p:cNvPicPr>
+            <a:picLocks noChangeAspect="1"/>
+          </p:cNvPicPr>
+          <p:nvPr/>
+        </p:nvPicPr>
+        <p:blipFill>
+          <a:blip r:embed="rId3">
+            <a:extLst>
+              <a:ext uri="{28A0092B-C50C-407E-A947-70E740481C1C}">
+                <a14:useLocalDpi xmlns:a14="http://schemas.microsoft.com/office/drawing/2010/main" val="0"/>
+              </a:ext>
+            </a:extLst>
+          </a:blip>
+          <a:stretch>
+            <a:fillRect/>
+          </a:stretch>
+        </p:blipFill>
+        <p:spPr>
+          <a:xfrm>
+            <a:off x="-9109520" y="239089"/>
+            <a:ext cx="8109460" cy="6166993"/>
+          </a:xfrm>
+          <a:prstGeom prst="rect">
+            <a:avLst/>
+          </a:prstGeom>
+        </p:spPr>
+      </p:pic>
+      <p:pic>
+        <p:nvPicPr>
+          <p:cNvPr id="5" name="Image 4"/>
+          <p:cNvPicPr>
+            <a:picLocks noChangeAspect="1"/>
+          </p:cNvPicPr>
+          <p:nvPr/>
+        </p:nvPicPr>
+        <p:blipFill>
+          <a:blip r:embed="rId4">
+            <a:extLst>
+              <a:ext uri="{28A0092B-C50C-407E-A947-70E740481C1C}">
+                <a14:useLocalDpi xmlns:a14="http://schemas.microsoft.com/office/drawing/2010/main" val="0"/>
+              </a:ext>
+            </a:extLst>
+          </a:blip>
+          <a:stretch>
+            <a:fillRect/>
+          </a:stretch>
+        </p:blipFill>
+        <p:spPr>
+          <a:xfrm>
+            <a:off x="10044608" y="2132856"/>
+            <a:ext cx="9144000" cy="2677566"/>
+          </a:xfrm>
+          <a:prstGeom prst="rect">
+            <a:avLst/>
+          </a:prstGeom>
+        </p:spPr>
+      </p:pic>
+      <p:pic>
+        <p:nvPicPr>
+          <p:cNvPr id="1026" name="Picture 2"/>
+          <p:cNvPicPr>
+            <a:picLocks noChangeAspect="1" noChangeArrowheads="1"/>
+          </p:cNvPicPr>
+          <p:nvPr/>
+        </p:nvPicPr>
+        <p:blipFill>
+          <a:blip r:embed="rId5">
+            <a:extLst>
+              <a:ext uri="{28A0092B-C50C-407E-A947-70E740481C1C}">
+                <a14:useLocalDpi xmlns:a14="http://schemas.microsoft.com/office/drawing/2010/main" val="0"/>
+              </a:ext>
+            </a:extLst>
+          </a:blip>
+          <a:srcRect/>
+          <a:stretch>
+            <a:fillRect/>
+          </a:stretch>
+        </p:blipFill>
+        <p:spPr bwMode="auto">
+          <a:xfrm>
+            <a:off x="348648" y="-5716016"/>
+            <a:ext cx="8587312" cy="4614808"/>
+          </a:xfrm>
+          <a:prstGeom prst="rect">
+            <a:avLst/>
+          </a:prstGeom>
+          <a:noFill/>
+          <a:ln>
+            <a:noFill/>
+          </a:ln>
+          <a:effectLst/>
+          <a:extLst>
+            <a:ext uri="{909E8E84-426E-40DD-AFC4-6F175D3DCCD1}">
+              <a14:hiddenFill xmlns:a14="http://schemas.microsoft.com/office/drawing/2010/main">
+                <a:solidFill>
+                  <a:schemeClr val="accent1"/>
+                </a:solidFill>
+              </a14:hiddenFill>
+            </a:ext>
+            <a:ext uri="{91240B29-F687-4F45-9708-019B960494DF}">
+              <a14:hiddenLine xmlns:a14="http://schemas.microsoft.com/office/drawing/2010/main" w="9525">
+                <a:solidFill>
+                  <a:schemeClr val="tx1"/>
+                </a:solidFill>
+                <a:miter lim="800000"/>
+                <a:headEnd/>
+                <a:tailEnd/>
+              </a14:hiddenLine>
+            </a:ext>
+            <a:ext uri="{AF507438-7753-43E0-B8FC-AC1667EBCBE1}">
+              <a14:hiddenEffects xmlns:a14="http://schemas.microsoft.com/office/drawing/2010/main">
+                <a:effectLst>
+                  <a:outerShdw dist="35921" dir="2700000" algn="ctr" rotWithShape="0">
+                    <a:schemeClr val="bg2"/>
+                  </a:outerShdw>
+                </a:effectLst>
+              </a14:hiddenEffects>
+            </a:ext>
+          </a:extLst>
+        </p:spPr>
+      </p:pic>
+      <p:pic>
+        <p:nvPicPr>
+          <p:cNvPr id="1027" name="Picture 3"/>
+          <p:cNvPicPr>
+            <a:picLocks noChangeAspect="1" noChangeArrowheads="1"/>
+          </p:cNvPicPr>
+          <p:nvPr/>
+        </p:nvPicPr>
+        <p:blipFill>
+          <a:blip r:embed="rId6">
+            <a:extLst>
+              <a:ext uri="{28A0092B-C50C-407E-A947-70E740481C1C}">
+                <a14:useLocalDpi xmlns:a14="http://schemas.microsoft.com/office/drawing/2010/main" val="0"/>
+              </a:ext>
+            </a:extLst>
+          </a:blip>
+          <a:srcRect/>
+          <a:stretch>
+            <a:fillRect/>
+          </a:stretch>
+        </p:blipFill>
+        <p:spPr bwMode="auto">
+          <a:xfrm>
+            <a:off x="-18287" y="7605464"/>
+            <a:ext cx="9201150" cy="3171825"/>
+          </a:xfrm>
+          <a:prstGeom prst="rect">
+            <a:avLst/>
+          </a:prstGeom>
+          <a:noFill/>
+          <a:ln>
+            <a:noFill/>
+          </a:ln>
+          <a:effectLst/>
+          <a:extLst>
+            <a:ext uri="{909E8E84-426E-40DD-AFC4-6F175D3DCCD1}">
+              <a14:hiddenFill xmlns:a14="http://schemas.microsoft.com/office/drawing/2010/main">
+                <a:solidFill>
+                  <a:schemeClr val="accent1"/>
+                </a:solidFill>
+              </a14:hiddenFill>
+            </a:ext>
+            <a:ext uri="{91240B29-F687-4F45-9708-019B960494DF}">
+              <a14:hiddenLine xmlns:a14="http://schemas.microsoft.com/office/drawing/2010/main" w="9525">
+                <a:solidFill>
+                  <a:schemeClr val="tx1"/>
+                </a:solidFill>
+                <a:miter lim="800000"/>
+                <a:headEnd/>
+                <a:tailEnd/>
+              </a14:hiddenLine>
+            </a:ext>
+            <a:ext uri="{AF507438-7753-43E0-B8FC-AC1667EBCBE1}">
+              <a14:hiddenEffects xmlns:a14="http://schemas.microsoft.com/office/drawing/2010/main">
+                <a:effectLst>
+                  <a:outerShdw dist="35921" dir="2700000" algn="ctr" rotWithShape="0">
+                    <a:schemeClr val="bg2"/>
+                  </a:outerShdw>
+                </a:effectLst>
+              </a14:hiddenEffects>
+            </a:ext>
+          </a:extLst>
+        </p:spPr>
+      </p:pic>
     </p:spTree>
     <p:extLst>
       <p:ext uri="{BB962C8B-B14F-4D97-AF65-F5344CB8AC3E}">
@@ -9334,7 +10490,349 @@
   <p:timing>
     <p:tnLst>
       <p:par>
-        <p:cTn id="1" dur="indefinite" restart="never" nodeType="tmRoot"/>
+        <p:cTn id="1" dur="indefinite" restart="never" nodeType="tmRoot">
+          <p:childTnLst>
+            <p:seq concurrent="1" nextAc="seek">
+              <p:cTn id="2" dur="indefinite" nodeType="mainSeq">
+                <p:childTnLst>
+                  <p:par>
+                    <p:cTn id="3" fill="hold">
+                      <p:stCondLst>
+                        <p:cond delay="indefinite"/>
+                      </p:stCondLst>
+                      <p:childTnLst>
+                        <p:par>
+                          <p:cTn id="4" fill="hold">
+                            <p:stCondLst>
+                              <p:cond delay="0"/>
+                            </p:stCondLst>
+                            <p:childTnLst>
+                              <p:par>
+                                <p:cTn id="5" presetID="42" presetClass="path" presetSubtype="0" accel="50000" decel="50000" fill="hold" nodeType="clickEffect">
+                                  <p:stCondLst>
+                                    <p:cond delay="0"/>
+                                  </p:stCondLst>
+                                  <p:childTnLst>
+                                    <p:animMotion origin="layout" path="M -2.22222E-6 -7.40741E-7 L 1.05278 -0.00555 " pathEditMode="relative" rAng="0" ptsTypes="AA">
+                                      <p:cBhvr>
+                                        <p:cTn id="6" dur="2000" fill="hold"/>
+                                        <p:tgtEl>
+                                          <p:spTgt spid="4"/>
+                                        </p:tgtEl>
+                                        <p:attrNameLst>
+                                          <p:attrName>ppt_x</p:attrName>
+                                          <p:attrName>ppt_y</p:attrName>
+                                        </p:attrNameLst>
+                                      </p:cBhvr>
+                                      <p:rCtr x="52639" y="-278"/>
+                                    </p:animMotion>
+                                  </p:childTnLst>
+                                </p:cTn>
+                              </p:par>
+                            </p:childTnLst>
+                          </p:cTn>
+                        </p:par>
+                      </p:childTnLst>
+                    </p:cTn>
+                  </p:par>
+                  <p:par>
+                    <p:cTn id="7" fill="hold">
+                      <p:stCondLst>
+                        <p:cond delay="indefinite"/>
+                      </p:stCondLst>
+                      <p:childTnLst>
+                        <p:par>
+                          <p:cTn id="8" fill="hold">
+                            <p:stCondLst>
+                              <p:cond delay="0"/>
+                            </p:stCondLst>
+                            <p:childTnLst>
+                              <p:par>
+                                <p:cTn id="9" presetID="10" presetClass="exit" presetSubtype="0" fill="hold" nodeType="clickEffect">
+                                  <p:stCondLst>
+                                    <p:cond delay="0"/>
+                                  </p:stCondLst>
+                                  <p:childTnLst>
+                                    <p:animEffect transition="out" filter="fade">
+                                      <p:cBhvr>
+                                        <p:cTn id="10" dur="500"/>
+                                        <p:tgtEl>
+                                          <p:spTgt spid="4"/>
+                                        </p:tgtEl>
+                                      </p:cBhvr>
+                                    </p:animEffect>
+                                    <p:set>
+                                      <p:cBhvr>
+                                        <p:cTn id="11" dur="1" fill="hold">
+                                          <p:stCondLst>
+                                            <p:cond delay="499"/>
+                                          </p:stCondLst>
+                                        </p:cTn>
+                                        <p:tgtEl>
+                                          <p:spTgt spid="4"/>
+                                        </p:tgtEl>
+                                        <p:attrNameLst>
+                                          <p:attrName>style.visibility</p:attrName>
+                                        </p:attrNameLst>
+                                      </p:cBhvr>
+                                      <p:to>
+                                        <p:strVal val="hidden"/>
+                                      </p:to>
+                                    </p:set>
+                                  </p:childTnLst>
+                                </p:cTn>
+                              </p:par>
+                            </p:childTnLst>
+                          </p:cTn>
+                        </p:par>
+                      </p:childTnLst>
+                    </p:cTn>
+                  </p:par>
+                  <p:par>
+                    <p:cTn id="12" fill="hold">
+                      <p:stCondLst>
+                        <p:cond delay="indefinite"/>
+                      </p:stCondLst>
+                      <p:childTnLst>
+                        <p:par>
+                          <p:cTn id="13" fill="hold">
+                            <p:stCondLst>
+                              <p:cond delay="0"/>
+                            </p:stCondLst>
+                            <p:childTnLst>
+                              <p:par>
+                                <p:cTn id="14" presetID="42" presetClass="path" presetSubtype="0" accel="50000" decel="50000" fill="hold" nodeType="clickEffect">
+                                  <p:stCondLst>
+                                    <p:cond delay="0"/>
+                                  </p:stCondLst>
+                                  <p:childTnLst>
+                                    <p:animMotion origin="layout" path="M 2.5E-6 0 L -1.09844 0.00417 " pathEditMode="relative" rAng="0" ptsTypes="AA">
+                                      <p:cBhvr>
+                                        <p:cTn id="15" dur="2000" fill="hold"/>
+                                        <p:tgtEl>
+                                          <p:spTgt spid="5"/>
+                                        </p:tgtEl>
+                                        <p:attrNameLst>
+                                          <p:attrName>ppt_x</p:attrName>
+                                          <p:attrName>ppt_y</p:attrName>
+                                        </p:attrNameLst>
+                                      </p:cBhvr>
+                                      <p:rCtr x="-54931" y="208"/>
+                                    </p:animMotion>
+                                  </p:childTnLst>
+                                </p:cTn>
+                              </p:par>
+                            </p:childTnLst>
+                          </p:cTn>
+                        </p:par>
+                      </p:childTnLst>
+                    </p:cTn>
+                  </p:par>
+                  <p:par>
+                    <p:cTn id="16" fill="hold">
+                      <p:stCondLst>
+                        <p:cond delay="indefinite"/>
+                      </p:stCondLst>
+                      <p:childTnLst>
+                        <p:par>
+                          <p:cTn id="17" fill="hold">
+                            <p:stCondLst>
+                              <p:cond delay="0"/>
+                            </p:stCondLst>
+                            <p:childTnLst>
+                              <p:par>
+                                <p:cTn id="18" presetID="10" presetClass="exit" presetSubtype="0" fill="hold" nodeType="clickEffect">
+                                  <p:stCondLst>
+                                    <p:cond delay="0"/>
+                                  </p:stCondLst>
+                                  <p:childTnLst>
+                                    <p:animEffect transition="out" filter="fade">
+                                      <p:cBhvr>
+                                        <p:cTn id="19" dur="500"/>
+                                        <p:tgtEl>
+                                          <p:spTgt spid="5"/>
+                                        </p:tgtEl>
+                                      </p:cBhvr>
+                                    </p:animEffect>
+                                    <p:set>
+                                      <p:cBhvr>
+                                        <p:cTn id="20" dur="1" fill="hold">
+                                          <p:stCondLst>
+                                            <p:cond delay="499"/>
+                                          </p:stCondLst>
+                                        </p:cTn>
+                                        <p:tgtEl>
+                                          <p:spTgt spid="5"/>
+                                        </p:tgtEl>
+                                        <p:attrNameLst>
+                                          <p:attrName>style.visibility</p:attrName>
+                                        </p:attrNameLst>
+                                      </p:cBhvr>
+                                      <p:to>
+                                        <p:strVal val="hidden"/>
+                                      </p:to>
+                                    </p:set>
+                                  </p:childTnLst>
+                                </p:cTn>
+                              </p:par>
+                            </p:childTnLst>
+                          </p:cTn>
+                        </p:par>
+                      </p:childTnLst>
+                    </p:cTn>
+                  </p:par>
+                  <p:par>
+                    <p:cTn id="21" fill="hold">
+                      <p:stCondLst>
+                        <p:cond delay="indefinite"/>
+                      </p:stCondLst>
+                      <p:childTnLst>
+                        <p:par>
+                          <p:cTn id="22" fill="hold">
+                            <p:stCondLst>
+                              <p:cond delay="0"/>
+                            </p:stCondLst>
+                            <p:childTnLst>
+                              <p:par>
+                                <p:cTn id="23" presetID="42" presetClass="path" presetSubtype="0" accel="50000" decel="50000" fill="hold" nodeType="clickEffect">
+                                  <p:stCondLst>
+                                    <p:cond delay="0"/>
+                                  </p:stCondLst>
+                                  <p:childTnLst>
+                                    <p:animMotion origin="layout" path="M 1.11111E-6 7.40741E-7 L 0.00017 0.98657 " pathEditMode="relative" rAng="0" ptsTypes="AA">
+                                      <p:cBhvr>
+                                        <p:cTn id="24" dur="2000" fill="hold"/>
+                                        <p:tgtEl>
+                                          <p:spTgt spid="1026"/>
+                                        </p:tgtEl>
+                                        <p:attrNameLst>
+                                          <p:attrName>ppt_x</p:attrName>
+                                          <p:attrName>ppt_y</p:attrName>
+                                        </p:attrNameLst>
+                                      </p:cBhvr>
+                                      <p:rCtr x="0" y="49329"/>
+                                    </p:animMotion>
+                                  </p:childTnLst>
+                                </p:cTn>
+                              </p:par>
+                            </p:childTnLst>
+                          </p:cTn>
+                        </p:par>
+                      </p:childTnLst>
+                    </p:cTn>
+                  </p:par>
+                  <p:par>
+                    <p:cTn id="25" fill="hold">
+                      <p:stCondLst>
+                        <p:cond delay="indefinite"/>
+                      </p:stCondLst>
+                      <p:childTnLst>
+                        <p:par>
+                          <p:cTn id="26" fill="hold">
+                            <p:stCondLst>
+                              <p:cond delay="0"/>
+                            </p:stCondLst>
+                            <p:childTnLst>
+                              <p:par>
+                                <p:cTn id="27" presetID="10" presetClass="exit" presetSubtype="0" fill="hold" nodeType="clickEffect">
+                                  <p:stCondLst>
+                                    <p:cond delay="0"/>
+                                  </p:stCondLst>
+                                  <p:childTnLst>
+                                    <p:animEffect transition="out" filter="fade">
+                                      <p:cBhvr>
+                                        <p:cTn id="28" dur="500"/>
+                                        <p:tgtEl>
+                                          <p:spTgt spid="1026"/>
+                                        </p:tgtEl>
+                                      </p:cBhvr>
+                                    </p:animEffect>
+                                    <p:set>
+                                      <p:cBhvr>
+                                        <p:cTn id="29" dur="1" fill="hold">
+                                          <p:stCondLst>
+                                            <p:cond delay="499"/>
+                                          </p:stCondLst>
+                                        </p:cTn>
+                                        <p:tgtEl>
+                                          <p:spTgt spid="1026"/>
+                                        </p:tgtEl>
+                                        <p:attrNameLst>
+                                          <p:attrName>style.visibility</p:attrName>
+                                        </p:attrNameLst>
+                                      </p:cBhvr>
+                                      <p:to>
+                                        <p:strVal val="hidden"/>
+                                      </p:to>
+                                    </p:set>
+                                  </p:childTnLst>
+                                </p:cTn>
+                              </p:par>
+                            </p:childTnLst>
+                          </p:cTn>
+                        </p:par>
+                      </p:childTnLst>
+                    </p:cTn>
+                  </p:par>
+                  <p:par>
+                    <p:cTn id="30" fill="hold">
+                      <p:stCondLst>
+                        <p:cond delay="indefinite"/>
+                      </p:stCondLst>
+                      <p:childTnLst>
+                        <p:par>
+                          <p:cTn id="31" fill="hold">
+                            <p:stCondLst>
+                              <p:cond delay="0"/>
+                            </p:stCondLst>
+                            <p:childTnLst>
+                              <p:par>
+                                <p:cTn id="32" presetID="42" presetClass="path" presetSubtype="0" accel="50000" decel="50000" fill="hold" nodeType="clickEffect">
+                                  <p:stCondLst>
+                                    <p:cond delay="0"/>
+                                  </p:stCondLst>
+                                  <p:childTnLst>
+                                    <p:animMotion origin="layout" path="M -1.66667E-6 2.22222E-6 L -0.00104 -0.84028 " pathEditMode="relative" rAng="0" ptsTypes="AA">
+                                      <p:cBhvr>
+                                        <p:cTn id="33" dur="2000" fill="hold"/>
+                                        <p:tgtEl>
+                                          <p:spTgt spid="1027"/>
+                                        </p:tgtEl>
+                                        <p:attrNameLst>
+                                          <p:attrName>ppt_x</p:attrName>
+                                          <p:attrName>ppt_y</p:attrName>
+                                        </p:attrNameLst>
+                                      </p:cBhvr>
+                                      <p:rCtr x="-52" y="-42014"/>
+                                    </p:animMotion>
+                                  </p:childTnLst>
+                                </p:cTn>
+                              </p:par>
+                            </p:childTnLst>
+                          </p:cTn>
+                        </p:par>
+                      </p:childTnLst>
+                    </p:cTn>
+                  </p:par>
+                </p:childTnLst>
+              </p:cTn>
+              <p:prevCondLst>
+                <p:cond evt="onPrev" delay="0">
+                  <p:tgtEl>
+                    <p:sldTgt/>
+                  </p:tgtEl>
+                </p:cond>
+              </p:prevCondLst>
+              <p:nextCondLst>
+                <p:cond evt="onNext" delay="0">
+                  <p:tgtEl>
+                    <p:sldTgt/>
+                  </p:tgtEl>
+                </p:cond>
+              </p:nextCondLst>
+            </p:seq>
+          </p:childTnLst>
+        </p:cTn>
       </p:par>
     </p:tnLst>
   </p:timing>
@@ -9377,16 +10875,11 @@
               <a:rPr lang="fr-FR" dirty="0" smtClean="0"/>
               <a:t>Latex</a:t>
             </a:r>
-            <a:endParaRPr lang="fr-FR" dirty="0" smtClean="0"/>
-          </a:p>
-          <a:p>
-            <a:r>
-              <a:rPr lang="fr-FR" dirty="0" smtClean="0"/>
-              <a:t>Qu’est </a:t>
-            </a:r>
-            <a:r>
-              <a:rPr lang="fr-FR" dirty="0" smtClean="0"/>
-              <a:t>ce qu’un fichier .</a:t>
+          </a:p>
+          <a:p>
+            <a:r>
+              <a:rPr lang="fr-FR" dirty="0" smtClean="0"/>
+              <a:t>Qu’est ce qu’un fichier .</a:t>
             </a:r>
             <a:r>
               <a:rPr lang="fr-FR" dirty="0" err="1" smtClean="0"/>
@@ -9408,15 +10901,7 @@
           <a:p>
             <a:r>
               <a:rPr lang="fr-FR" dirty="0" smtClean="0"/>
-              <a:t>Compilation d’un .</a:t>
-            </a:r>
-            <a:r>
-              <a:rPr lang="fr-FR" dirty="0" smtClean="0"/>
-              <a:t>tex </a:t>
-            </a:r>
-            <a:r>
-              <a:rPr lang="fr-FR" dirty="0" smtClean="0"/>
-              <a:t>et .</a:t>
+              <a:t>Compilation d’un .tex et .</a:t>
             </a:r>
             <a:r>
               <a:rPr lang="fr-FR" dirty="0" err="1" smtClean="0"/>
@@ -9436,15 +10921,7 @@
             <a:pPr lvl="3"/>
             <a:r>
               <a:rPr lang="fr-FR" dirty="0" smtClean="0"/>
-              <a:t>Qu’est ce qu’un .</a:t>
-            </a:r>
-            <a:r>
-              <a:rPr lang="fr-FR" dirty="0" smtClean="0"/>
-              <a:t>tex </a:t>
-            </a:r>
-            <a:r>
-              <a:rPr lang="fr-FR" dirty="0" smtClean="0"/>
-              <a:t>?</a:t>
+              <a:t>Qu’est ce qu’un .tex ?</a:t>
             </a:r>
           </a:p>
           <a:p>

--- a/Documentation MelonDoc/Presentation_MelonDoc.pptx
+++ b/Documentation MelonDoc/Presentation_MelonDoc.pptx
@@ -213,7 +213,7 @@
           <a:p>
             <a:fld id="{B8481735-1604-4DA9-B516-A410B5AED96C}" type="datetimeFigureOut">
               <a:rPr lang="fr-FR" smtClean="0"/>
-              <a:t>17/04/2012</a:t>
+              <a:t>18/04/2012</a:t>
             </a:fld>
             <a:endParaRPr lang="fr-FR"/>
           </a:p>
@@ -383,7 +383,7 @@
           <a:p>
             <a:fld id="{8EF8A89C-5F28-4347-83AB-4B0617AB23B6}" type="datetimeFigureOut">
               <a:rPr lang="fr-FR" smtClean="0"/>
-              <a:t>17/04/2012</a:t>
+              <a:t>18/04/2012</a:t>
             </a:fld>
             <a:endParaRPr lang="fr-FR"/>
           </a:p>
@@ -2650,7 +2650,7 @@
           <a:p>
             <a:fld id="{E73BCE52-2986-401B-B27E-89D264AD82EE}" type="datetime1">
               <a:rPr lang="fr-FR" smtClean="0"/>
-              <a:t>17/04/2012</a:t>
+              <a:t>18/04/2012</a:t>
             </a:fld>
             <a:endParaRPr lang="fr-FR"/>
           </a:p>
@@ -2850,7 +2850,7 @@
           <a:p>
             <a:fld id="{9C533699-677B-4F98-B113-8F364536E31B}" type="datetime1">
               <a:rPr lang="fr-FR" smtClean="0"/>
-              <a:t>17/04/2012</a:t>
+              <a:t>18/04/2012</a:t>
             </a:fld>
             <a:endParaRPr lang="fr-FR"/>
           </a:p>
@@ -3039,7 +3039,7 @@
           <a:p>
             <a:fld id="{D7F254A4-0994-4834-8058-F22B1EC51375}" type="datetime1">
               <a:rPr lang="fr-FR" smtClean="0"/>
-              <a:t>17/04/2012</a:t>
+              <a:t>18/04/2012</a:t>
             </a:fld>
             <a:endParaRPr lang="fr-FR"/>
           </a:p>
@@ -3193,7 +3193,7 @@
           <a:p>
             <a:fld id="{16A5A50F-3122-4CFF-B48D-D274F79B3325}" type="datetime1">
               <a:rPr lang="fr-FR" smtClean="0"/>
-              <a:t>17/04/2012</a:t>
+              <a:t>18/04/2012</a:t>
             </a:fld>
             <a:endParaRPr lang="fr-FR"/>
           </a:p>
@@ -3447,7 +3447,7 @@
           <a:p>
             <a:fld id="{844A445A-FE9E-490D-A0D5-08341A30D0A0}" type="datetime1">
               <a:rPr lang="fr-FR" smtClean="0"/>
-              <a:t>17/04/2012</a:t>
+              <a:t>18/04/2012</a:t>
             </a:fld>
             <a:endParaRPr lang="fr-FR"/>
           </a:p>
@@ -3855,7 +3855,7 @@
           <a:p>
             <a:fld id="{2956E238-76CD-4ABA-86EA-9AD86CE317D1}" type="datetime1">
               <a:rPr lang="fr-FR" smtClean="0"/>
-              <a:t>17/04/2012</a:t>
+              <a:t>18/04/2012</a:t>
             </a:fld>
             <a:endParaRPr lang="fr-FR"/>
           </a:p>
@@ -4300,7 +4300,7 @@
           <a:p>
             <a:fld id="{EF40C80B-3C58-46AA-B83D-C2B017279BCA}" type="datetime1">
               <a:rPr lang="fr-FR" smtClean="0"/>
-              <a:t>17/04/2012</a:t>
+              <a:t>18/04/2012</a:t>
             </a:fld>
             <a:endParaRPr lang="fr-FR"/>
           </a:p>
@@ -4400,7 +4400,7 @@
           <a:p>
             <a:fld id="{EAA76F82-D7DE-4B52-99A3-112F69C746FC}" type="datetime1">
               <a:rPr lang="fr-FR" smtClean="0"/>
-              <a:t>17/04/2012</a:t>
+              <a:t>18/04/2012</a:t>
             </a:fld>
             <a:endParaRPr lang="fr-FR"/>
           </a:p>
@@ -4525,7 +4525,7 @@
           <a:p>
             <a:fld id="{B1055E6A-0D97-403C-AE53-8B1455E072FA}" type="datetime1">
               <a:rPr lang="fr-FR" smtClean="0"/>
-              <a:t>17/04/2012</a:t>
+              <a:t>18/04/2012</a:t>
             </a:fld>
             <a:endParaRPr lang="fr-FR"/>
           </a:p>
@@ -4798,7 +4798,7 @@
           <a:p>
             <a:fld id="{F78E93EF-B08A-4B49-90D4-B38748D32E5C}" type="datetime1">
               <a:rPr lang="fr-FR" smtClean="0"/>
-              <a:t>17/04/2012</a:t>
+              <a:t>18/04/2012</a:t>
             </a:fld>
             <a:endParaRPr lang="fr-FR"/>
           </a:p>
@@ -5002,7 +5002,7 @@
           <a:p>
             <a:fld id="{56EBC3F4-74EA-4905-9A0F-B95619D7EF2A}" type="datetime1">
               <a:rPr lang="fr-FR" smtClean="0"/>
-              <a:t>17/04/2012</a:t>
+              <a:t>18/04/2012</a:t>
             </a:fld>
             <a:endParaRPr lang="fr-FR"/>
           </a:p>
@@ -6115,7 +6115,7 @@
           <a:p>
             <a:fld id="{D2A26375-435E-4279-A191-29C75B1139BB}" type="datetime1">
               <a:rPr lang="fr-FR" smtClean="0"/>
-              <a:t>17/04/2012</a:t>
+              <a:t>18/04/2012</a:t>
             </a:fld>
             <a:endParaRPr lang="fr-FR"/>
           </a:p>
@@ -6766,11 +6766,7 @@
           <a:p>
             <a:r>
               <a:rPr lang="fr-FR" dirty="0" smtClean="0"/>
-              <a:t>Langage </a:t>
-            </a:r>
-            <a:r>
-              <a:rPr lang="fr-FR" dirty="0" smtClean="0"/>
-              <a:t>pour l’utilisation de tex</a:t>
+              <a:t>Langage pour l’utilisation de tex</a:t>
             </a:r>
           </a:p>
           <a:p>
@@ -6779,19 +6775,7 @@
           <a:p>
             <a:r>
               <a:rPr lang="fr-FR" dirty="0" smtClean="0"/>
-              <a:t>Simplifie </a:t>
-            </a:r>
-            <a:r>
-              <a:rPr lang="fr-FR" dirty="0" smtClean="0"/>
-              <a:t>les </a:t>
-            </a:r>
-            <a:r>
-              <a:rPr lang="fr-FR" dirty="0" smtClean="0"/>
-              <a:t>écritures </a:t>
-            </a:r>
-            <a:r>
-              <a:rPr lang="fr-FR" dirty="0" smtClean="0"/>
-              <a:t>compliquées (formules scientifiques)</a:t>
+              <a:t>Simplifie les écritures compliquées (formules scientifiques)</a:t>
             </a:r>
           </a:p>
           <a:p>
@@ -6800,11 +6784,7 @@
           <a:p>
             <a:r>
               <a:rPr lang="fr-FR" dirty="0" smtClean="0"/>
-              <a:t>Langage </a:t>
-            </a:r>
-            <a:r>
-              <a:rPr lang="fr-FR" dirty="0" smtClean="0"/>
-              <a:t>Open Source</a:t>
+              <a:t>Langage Open Source</a:t>
             </a:r>
             <a:endParaRPr lang="fr-FR" dirty="0"/>
           </a:p>
@@ -6916,11 +6896,7 @@
           <a:p>
             <a:r>
               <a:rPr lang="fr-FR" dirty="0" smtClean="0"/>
-              <a:t>Classes </a:t>
-            </a:r>
-            <a:r>
-              <a:rPr lang="fr-FR" dirty="0" smtClean="0"/>
-              <a:t>latex</a:t>
+              <a:t>Classes latex</a:t>
             </a:r>
           </a:p>
           <a:p>
@@ -6929,11 +6905,7 @@
           <a:p>
             <a:r>
               <a:rPr lang="fr-FR" dirty="0" smtClean="0"/>
-              <a:t>Définition </a:t>
-            </a:r>
-            <a:r>
-              <a:rPr lang="fr-FR" dirty="0" smtClean="0"/>
-              <a:t>des styles appliqués a un document type</a:t>
+              <a:t>Définition des styles appliqués a un document type</a:t>
             </a:r>
           </a:p>
           <a:p>
@@ -7053,11 +7025,7 @@
           <a:p>
             <a:r>
               <a:rPr lang="fr-FR" dirty="0" smtClean="0"/>
-              <a:t>Ils </a:t>
-            </a:r>
-            <a:r>
-              <a:rPr lang="fr-FR" dirty="0" smtClean="0"/>
-              <a:t>peuvent faire appel aux classes</a:t>
+              <a:t>Ils peuvent faire appel aux classes</a:t>
             </a:r>
           </a:p>
           <a:p>
@@ -7066,11 +7034,7 @@
           <a:p>
             <a:r>
               <a:rPr lang="fr-FR" dirty="0" smtClean="0"/>
-              <a:t>Ils </a:t>
-            </a:r>
-            <a:r>
-              <a:rPr lang="fr-FR" dirty="0" smtClean="0"/>
-              <a:t>incluent le contenu du document final</a:t>
+              <a:t>Ils incluent le contenu du document final</a:t>
             </a:r>
           </a:p>
           <a:p>
@@ -7079,11 +7043,7 @@
           <a:p>
             <a:r>
               <a:rPr lang="fr-FR" dirty="0" smtClean="0"/>
-              <a:t>Dépourvus </a:t>
-            </a:r>
-            <a:r>
-              <a:rPr lang="fr-FR" dirty="0" smtClean="0"/>
-              <a:t>de mise en forme</a:t>
+              <a:t>Dépourvus de mise en forme</a:t>
             </a:r>
             <a:endParaRPr lang="fr-FR" dirty="0"/>
           </a:p>
@@ -7189,11 +7149,7 @@
             </a:r>
             <a:r>
               <a:rPr lang="fr-FR" dirty="0" smtClean="0"/>
-              <a:t>éparation </a:t>
-            </a:r>
-            <a:r>
-              <a:rPr lang="fr-FR" dirty="0" smtClean="0"/>
-              <a:t>du contenu et de la forme</a:t>
+              <a:t>éparation du contenu et de la forme</a:t>
             </a:r>
           </a:p>
           <a:p>
@@ -7202,11 +7158,7 @@
           <a:p>
             <a:r>
               <a:rPr lang="fr-FR" dirty="0" smtClean="0"/>
-              <a:t>Abstraction </a:t>
-            </a:r>
-            <a:r>
-              <a:rPr lang="fr-FR" dirty="0" smtClean="0"/>
-              <a:t>des difficultés du langage Latex grâce à l’</a:t>
+              <a:t>Abstraction des difficultés du langage Latex grâce à l’</a:t>
             </a:r>
             <a:r>
               <a:rPr lang="fr-FR" dirty="0"/>
@@ -7223,11 +7175,7 @@
           <a:p>
             <a:r>
               <a:rPr lang="fr-FR" dirty="0" smtClean="0"/>
-              <a:t>Simplifier </a:t>
-            </a:r>
-            <a:r>
-              <a:rPr lang="fr-FR" dirty="0" smtClean="0"/>
-              <a:t>l’étape de conception d’un document, avec une mise en forme prédéfinie</a:t>
+              <a:t>Simplifier l’étape de conception d’un document, avec une mise en forme prédéfinie</a:t>
             </a:r>
             <a:endParaRPr lang="fr-FR" dirty="0"/>
           </a:p>
@@ -7564,11 +7512,7 @@
             <a:pPr lvl="3"/>
             <a:r>
               <a:rPr lang="fr-FR" dirty="0" smtClean="0"/>
-              <a:t>Implémentation </a:t>
-            </a:r>
-            <a:r>
-              <a:rPr lang="fr-FR" dirty="0" smtClean="0"/>
-              <a:t>complète des templates</a:t>
+              <a:t>Implémentation complète des templates</a:t>
             </a:r>
           </a:p>
           <a:p>
@@ -9512,7 +9456,6 @@
               <a:rPr lang="fr-FR" dirty="0" smtClean="0"/>
               <a:t>Fonctionnalités</a:t>
             </a:r>
-            <a:endParaRPr lang="fr-FR" dirty="0" smtClean="0"/>
           </a:p>
           <a:p>
             <a:pPr lvl="3"/>
@@ -10054,86 +9997,53 @@
             <a:pPr lvl="3"/>
             <a:r>
               <a:rPr lang="fr-FR" dirty="0" smtClean="0"/>
-              <a:t>Qui sont les utilisateurs du forum ?</a:t>
+              <a:t>Quels </a:t>
+            </a:r>
+            <a:r>
+              <a:rPr lang="fr-FR" dirty="0" smtClean="0"/>
+              <a:t>sont les droits sur le forum ?</a:t>
+            </a:r>
+          </a:p>
+          <a:p>
+            <a:pPr marL="914400" lvl="3" indent="0">
+              <a:buNone/>
+            </a:pPr>
+            <a:endParaRPr lang="fr-FR" dirty="0"/>
+          </a:p>
+          <a:p>
+            <a:r>
+              <a:rPr lang="fr-FR" dirty="0" smtClean="0"/>
+              <a:t>Création de catégorie</a:t>
             </a:r>
           </a:p>
           <a:p>
             <a:pPr lvl="3"/>
             <a:r>
               <a:rPr lang="fr-FR" dirty="0" smtClean="0"/>
-              <a:t>Quels sont les droits sur le forum ?</a:t>
+              <a:t>Quels sont les catégories </a:t>
+            </a:r>
+            <a:r>
+              <a:rPr lang="fr-FR" dirty="0" smtClean="0"/>
+              <a:t>?</a:t>
+            </a:r>
+            <a:endParaRPr lang="fr-FR" dirty="0"/>
+          </a:p>
+          <a:p>
+            <a:endParaRPr lang="fr-FR" dirty="0" smtClean="0"/>
+          </a:p>
+          <a:p>
+            <a:r>
+              <a:rPr lang="fr-FR" dirty="0" smtClean="0"/>
+              <a:t>Fonctionnement du forum</a:t>
             </a:r>
           </a:p>
           <a:p>
             <a:pPr lvl="3"/>
-            <a:endParaRPr lang="fr-FR" dirty="0"/>
-          </a:p>
-          <a:p>
-            <a:r>
-              <a:rPr lang="fr-FR" dirty="0" smtClean="0"/>
-              <a:t>Gestion des </a:t>
-            </a:r>
-            <a:r>
-              <a:rPr lang="fr-FR" dirty="0" err="1" smtClean="0"/>
-              <a:t>topics</a:t>
-            </a:r>
-            <a:r>
-              <a:rPr lang="fr-FR" dirty="0" smtClean="0"/>
-              <a:t> / </a:t>
-            </a:r>
-            <a:r>
-              <a:rPr lang="fr-FR" dirty="0" err="1" smtClean="0"/>
-              <a:t>posts</a:t>
+            <a:r>
+              <a:rPr lang="fr-FR" dirty="0" smtClean="0"/>
+              <a:t>Des forums dans des catégories.</a:t>
             </a:r>
             <a:endParaRPr lang="fr-FR" dirty="0" smtClean="0"/>
-          </a:p>
-          <a:p>
-            <a:pPr lvl="3"/>
-            <a:r>
-              <a:rPr lang="fr-FR" dirty="0" smtClean="0"/>
-              <a:t>Comment sont gérés les </a:t>
-            </a:r>
-            <a:r>
-              <a:rPr lang="fr-FR" dirty="0" err="1" smtClean="0"/>
-              <a:t>topics</a:t>
-            </a:r>
-            <a:r>
-              <a:rPr lang="fr-FR" dirty="0" smtClean="0"/>
-              <a:t> / </a:t>
-            </a:r>
-            <a:r>
-              <a:rPr lang="fr-FR" dirty="0" err="1" smtClean="0"/>
-              <a:t>posts</a:t>
-            </a:r>
-            <a:r>
-              <a:rPr lang="fr-FR" dirty="0" smtClean="0"/>
-              <a:t> ?</a:t>
-            </a:r>
-          </a:p>
-          <a:p>
-            <a:pPr lvl="3"/>
-            <a:r>
-              <a:rPr lang="fr-FR" dirty="0" smtClean="0"/>
-              <a:t>Par qui ?</a:t>
-            </a:r>
-            <a:endParaRPr lang="fr-FR" dirty="0"/>
-          </a:p>
-          <a:p>
-            <a:pPr lvl="3"/>
-            <a:endParaRPr lang="fr-FR" dirty="0"/>
-          </a:p>
-          <a:p>
-            <a:r>
-              <a:rPr lang="fr-FR" dirty="0" smtClean="0"/>
-              <a:t>Création de catégorie</a:t>
-            </a:r>
-          </a:p>
-          <a:p>
-            <a:pPr lvl="3"/>
-            <a:r>
-              <a:rPr lang="fr-FR" dirty="0" smtClean="0"/>
-              <a:t>Quels sont les catégories ?</a:t>
-            </a:r>
           </a:p>
         </p:txBody>
       </p:sp>

--- a/Documentation MelonDoc/Presentation_MelonDoc.pptx
+++ b/Documentation MelonDoc/Presentation_MelonDoc.pptx
@@ -6792,12 +6792,12 @@
       </p:sp>
       <p:sp>
         <p:nvSpPr>
-          <p:cNvPr id="3" name="Espace réservé du pied de page 2"/>
-          <p:cNvSpPr>
-            <a:spLocks noGrp="1"/>
-          </p:cNvSpPr>
-          <p:nvPr>
-            <p:ph type="ftr" sz="quarter" idx="11"/>
+          <p:cNvPr id="4" name="Titre 3"/>
+          <p:cNvSpPr>
+            <a:spLocks noGrp="1"/>
+          </p:cNvSpPr>
+          <p:nvPr>
+            <p:ph type="title"/>
           </p:nvPr>
         </p:nvSpPr>
         <p:spPr/>
@@ -6806,31 +6806,72 @@
           <a:lstStyle/>
           <a:p>
             <a:r>
-              <a:rPr lang="fr-FR" smtClean="0"/>
-              <a:t>Libert Pierrick, Singler Julien, Meloni Hugo, Berrouag Yannis, Gahon Alexis, Minette Alexandre</a:t>
-            </a:r>
-            <a:endParaRPr lang="fr-FR"/>
-          </a:p>
-        </p:txBody>
-      </p:sp>
-      <p:sp>
-        <p:nvSpPr>
-          <p:cNvPr id="4" name="Titre 3"/>
-          <p:cNvSpPr>
-            <a:spLocks noGrp="1"/>
-          </p:cNvSpPr>
-          <p:nvPr>
-            <p:ph type="title"/>
-          </p:nvPr>
-        </p:nvSpPr>
-        <p:spPr/>
+              <a:rPr lang="fr-FR" dirty="0" smtClean="0"/>
+              <a:t>Latex</a:t>
+            </a:r>
+            <a:endParaRPr lang="fr-FR" dirty="0"/>
+          </a:p>
+        </p:txBody>
+      </p:sp>
+      <p:sp>
+        <p:nvSpPr>
+          <p:cNvPr id="5" name="Espace réservé du pied de page 4"/>
+          <p:cNvSpPr>
+            <a:spLocks noGrp="1"/>
+          </p:cNvSpPr>
+          <p:nvPr>
+            <p:ph type="ftr" sz="quarter" idx="11"/>
+          </p:nvPr>
+        </p:nvSpPr>
+        <p:spPr>
+          <a:xfrm>
+            <a:off x="4644008" y="6407945"/>
+            <a:ext cx="4320480" cy="333423"/>
+          </a:xfrm>
+        </p:spPr>
         <p:txBody>
           <a:bodyPr/>
           <a:lstStyle/>
           <a:p>
             <a:r>
-              <a:rPr lang="fr-FR" dirty="0" smtClean="0"/>
-              <a:t>Latex</a:t>
+              <a:rPr lang="fr-FR" dirty="0" err="1" smtClean="0"/>
+              <a:t>Libert</a:t>
+            </a:r>
+            <a:r>
+              <a:rPr lang="fr-FR" dirty="0" smtClean="0"/>
+              <a:t> Pierrick, </a:t>
+            </a:r>
+            <a:r>
+              <a:rPr lang="fr-FR" dirty="0" err="1" smtClean="0"/>
+              <a:t>Singler</a:t>
+            </a:r>
+            <a:r>
+              <a:rPr lang="fr-FR" dirty="0" smtClean="0"/>
+              <a:t> Julien, </a:t>
+            </a:r>
+            <a:r>
+              <a:rPr lang="fr-FR" dirty="0" err="1" smtClean="0"/>
+              <a:t>Meloni</a:t>
+            </a:r>
+            <a:r>
+              <a:rPr lang="fr-FR" dirty="0" smtClean="0"/>
+              <a:t> Hugo, </a:t>
+            </a:r>
+            <a:r>
+              <a:rPr lang="fr-FR" dirty="0" err="1" smtClean="0"/>
+              <a:t>Berrouag</a:t>
+            </a:r>
+            <a:r>
+              <a:rPr lang="fr-FR" dirty="0" smtClean="0"/>
+              <a:t> Yannis, </a:t>
+            </a:r>
+            <a:r>
+              <a:rPr lang="fr-FR" dirty="0" err="1" smtClean="0"/>
+              <a:t>Gahon</a:t>
+            </a:r>
+            <a:r>
+              <a:rPr lang="fr-FR" dirty="0" smtClean="0"/>
+              <a:t> Alexis, Minette Alexandre</a:t>
             </a:r>
             <a:endParaRPr lang="fr-FR" dirty="0"/>
           </a:p>
@@ -6915,29 +6956,6 @@
       </p:sp>
       <p:sp>
         <p:nvSpPr>
-          <p:cNvPr id="3" name="Espace réservé du pied de page 2"/>
-          <p:cNvSpPr>
-            <a:spLocks noGrp="1"/>
-          </p:cNvSpPr>
-          <p:nvPr>
-            <p:ph type="ftr" sz="quarter" idx="11"/>
-          </p:nvPr>
-        </p:nvSpPr>
-        <p:spPr/>
-        <p:txBody>
-          <a:bodyPr/>
-          <a:lstStyle/>
-          <a:p>
-            <a:r>
-              <a:rPr lang="fr-FR" smtClean="0"/>
-              <a:t>Libert Pierrick, Singler Julien, Meloni Hugo, Berrouag Yannis, Gahon Alexis, Minette Alexandre</a:t>
-            </a:r>
-            <a:endParaRPr lang="fr-FR"/>
-          </a:p>
-        </p:txBody>
-      </p:sp>
-      <p:sp>
-        <p:nvSpPr>
           <p:cNvPr id="4" name="Titre 3"/>
           <p:cNvSpPr>
             <a:spLocks noGrp="1"/>
@@ -6962,6 +6980,70 @@
               <a:t>cls</a:t>
             </a:r>
             <a:endParaRPr lang="fr-FR" sz="3200" dirty="0"/>
+          </a:p>
+        </p:txBody>
+      </p:sp>
+      <p:sp>
+        <p:nvSpPr>
+          <p:cNvPr id="5" name="Espace réservé du pied de page 4"/>
+          <p:cNvSpPr>
+            <a:spLocks noGrp="1"/>
+          </p:cNvSpPr>
+          <p:nvPr>
+            <p:ph type="ftr" sz="quarter" idx="11"/>
+          </p:nvPr>
+        </p:nvSpPr>
+        <p:spPr>
+          <a:xfrm>
+            <a:off x="4644008" y="6407945"/>
+            <a:ext cx="4320480" cy="333423"/>
+          </a:xfrm>
+        </p:spPr>
+        <p:txBody>
+          <a:bodyPr/>
+          <a:lstStyle/>
+          <a:p>
+            <a:r>
+              <a:rPr lang="fr-FR" dirty="0" err="1" smtClean="0"/>
+              <a:t>Libert</a:t>
+            </a:r>
+            <a:r>
+              <a:rPr lang="fr-FR" dirty="0" smtClean="0"/>
+              <a:t> Pierrick, </a:t>
+            </a:r>
+            <a:r>
+              <a:rPr lang="fr-FR" dirty="0" err="1" smtClean="0"/>
+              <a:t>Singler</a:t>
+            </a:r>
+            <a:r>
+              <a:rPr lang="fr-FR" dirty="0" smtClean="0"/>
+              <a:t> Julien, </a:t>
+            </a:r>
+            <a:r>
+              <a:rPr lang="fr-FR" dirty="0" err="1" smtClean="0"/>
+              <a:t>Meloni</a:t>
+            </a:r>
+            <a:r>
+              <a:rPr lang="fr-FR" dirty="0" smtClean="0"/>
+              <a:t> Hugo, </a:t>
+            </a:r>
+            <a:r>
+              <a:rPr lang="fr-FR" dirty="0" err="1" smtClean="0"/>
+              <a:t>Berrouag</a:t>
+            </a:r>
+            <a:r>
+              <a:rPr lang="fr-FR" dirty="0" smtClean="0"/>
+              <a:t> Yannis, </a:t>
+            </a:r>
+            <a:r>
+              <a:rPr lang="fr-FR" dirty="0" err="1" smtClean="0"/>
+              <a:t>Gahon</a:t>
+            </a:r>
+            <a:r>
+              <a:rPr lang="fr-FR" dirty="0" smtClean="0"/>
+              <a:t> Alexis, Minette Alexandre</a:t>
+            </a:r>
+            <a:endParaRPr lang="fr-FR" dirty="0"/>
           </a:p>
         </p:txBody>
       </p:sp>
@@ -7051,12 +7133,12 @@
       </p:sp>
       <p:sp>
         <p:nvSpPr>
-          <p:cNvPr id="3" name="Espace réservé du pied de page 2"/>
-          <p:cNvSpPr>
-            <a:spLocks noGrp="1"/>
-          </p:cNvSpPr>
-          <p:nvPr>
-            <p:ph type="ftr" sz="quarter" idx="11"/>
+          <p:cNvPr id="4" name="Titre 3"/>
+          <p:cNvSpPr>
+            <a:spLocks noGrp="1"/>
+          </p:cNvSpPr>
+          <p:nvPr>
+            <p:ph type="title"/>
           </p:nvPr>
         </p:nvSpPr>
         <p:spPr/>
@@ -7065,31 +7147,72 @@
           <a:lstStyle/>
           <a:p>
             <a:r>
-              <a:rPr lang="fr-FR" smtClean="0"/>
-              <a:t>Libert Pierrick, Singler Julien, Meloni Hugo, Berrouag Yannis, Gahon Alexis, Minette Alexandre</a:t>
-            </a:r>
-            <a:endParaRPr lang="fr-FR"/>
-          </a:p>
-        </p:txBody>
-      </p:sp>
-      <p:sp>
-        <p:nvSpPr>
-          <p:cNvPr id="4" name="Titre 3"/>
-          <p:cNvSpPr>
-            <a:spLocks noGrp="1"/>
-          </p:cNvSpPr>
-          <p:nvPr>
-            <p:ph type="title"/>
-          </p:nvPr>
-        </p:nvSpPr>
-        <p:spPr/>
+              <a:rPr lang="fr-FR" dirty="0" smtClean="0"/>
+              <a:t>Les fichiers .tex</a:t>
+            </a:r>
+            <a:endParaRPr lang="fr-FR" dirty="0"/>
+          </a:p>
+        </p:txBody>
+      </p:sp>
+      <p:sp>
+        <p:nvSpPr>
+          <p:cNvPr id="5" name="Espace réservé du pied de page 4"/>
+          <p:cNvSpPr>
+            <a:spLocks noGrp="1"/>
+          </p:cNvSpPr>
+          <p:nvPr>
+            <p:ph type="ftr" sz="quarter" idx="11"/>
+          </p:nvPr>
+        </p:nvSpPr>
+        <p:spPr>
+          <a:xfrm>
+            <a:off x="4644008" y="6407945"/>
+            <a:ext cx="4320480" cy="333423"/>
+          </a:xfrm>
+        </p:spPr>
         <p:txBody>
           <a:bodyPr/>
           <a:lstStyle/>
           <a:p>
             <a:r>
-              <a:rPr lang="fr-FR" dirty="0" smtClean="0"/>
-              <a:t>Les fichiers .tex</a:t>
+              <a:rPr lang="fr-FR" dirty="0" err="1" smtClean="0"/>
+              <a:t>Libert</a:t>
+            </a:r>
+            <a:r>
+              <a:rPr lang="fr-FR" dirty="0" smtClean="0"/>
+              <a:t> Pierrick, </a:t>
+            </a:r>
+            <a:r>
+              <a:rPr lang="fr-FR" dirty="0" err="1" smtClean="0"/>
+              <a:t>Singler</a:t>
+            </a:r>
+            <a:r>
+              <a:rPr lang="fr-FR" dirty="0" smtClean="0"/>
+              <a:t> Julien, </a:t>
+            </a:r>
+            <a:r>
+              <a:rPr lang="fr-FR" dirty="0" err="1" smtClean="0"/>
+              <a:t>Meloni</a:t>
+            </a:r>
+            <a:r>
+              <a:rPr lang="fr-FR" dirty="0" smtClean="0"/>
+              <a:t> Hugo, </a:t>
+            </a:r>
+            <a:r>
+              <a:rPr lang="fr-FR" dirty="0" err="1" smtClean="0"/>
+              <a:t>Berrouag</a:t>
+            </a:r>
+            <a:r>
+              <a:rPr lang="fr-FR" dirty="0" smtClean="0"/>
+              <a:t> Yannis, </a:t>
+            </a:r>
+            <a:r>
+              <a:rPr lang="fr-FR" dirty="0" err="1" smtClean="0"/>
+              <a:t>Gahon</a:t>
+            </a:r>
+            <a:r>
+              <a:rPr lang="fr-FR" dirty="0" smtClean="0"/>
+              <a:t> Alexis, Minette Alexandre</a:t>
             </a:r>
             <a:endParaRPr lang="fr-FR" dirty="0"/>
           </a:p>
@@ -7183,12 +7306,12 @@
       </p:sp>
       <p:sp>
         <p:nvSpPr>
-          <p:cNvPr id="3" name="Espace réservé du pied de page 2"/>
-          <p:cNvSpPr>
-            <a:spLocks noGrp="1"/>
-          </p:cNvSpPr>
-          <p:nvPr>
-            <p:ph type="ftr" sz="quarter" idx="11"/>
+          <p:cNvPr id="4" name="Titre 3"/>
+          <p:cNvSpPr>
+            <a:spLocks noGrp="1"/>
+          </p:cNvSpPr>
+          <p:nvPr>
+            <p:ph type="title"/>
           </p:nvPr>
         </p:nvSpPr>
         <p:spPr/>
@@ -7197,31 +7320,72 @@
           <a:lstStyle/>
           <a:p>
             <a:r>
-              <a:rPr lang="fr-FR" smtClean="0"/>
-              <a:t>Libert Pierrick, Singler Julien, Meloni Hugo, Berrouag Yannis, Gahon Alexis, Minette Alexandre</a:t>
-            </a:r>
-            <a:endParaRPr lang="fr-FR"/>
-          </a:p>
-        </p:txBody>
-      </p:sp>
-      <p:sp>
-        <p:nvSpPr>
-          <p:cNvPr id="4" name="Titre 3"/>
-          <p:cNvSpPr>
-            <a:spLocks noGrp="1"/>
-          </p:cNvSpPr>
-          <p:nvPr>
-            <p:ph type="title"/>
-          </p:nvPr>
-        </p:nvSpPr>
-        <p:spPr/>
+              <a:rPr lang="fr-FR" dirty="0" smtClean="0"/>
+              <a:t>Application au projet</a:t>
+            </a:r>
+            <a:endParaRPr lang="fr-FR" dirty="0"/>
+          </a:p>
+        </p:txBody>
+      </p:sp>
+      <p:sp>
+        <p:nvSpPr>
+          <p:cNvPr id="5" name="Espace réservé du pied de page 4"/>
+          <p:cNvSpPr>
+            <a:spLocks noGrp="1"/>
+          </p:cNvSpPr>
+          <p:nvPr>
+            <p:ph type="ftr" sz="quarter" idx="11"/>
+          </p:nvPr>
+        </p:nvSpPr>
+        <p:spPr>
+          <a:xfrm>
+            <a:off x="4644008" y="6407945"/>
+            <a:ext cx="4320480" cy="333423"/>
+          </a:xfrm>
+        </p:spPr>
         <p:txBody>
           <a:bodyPr/>
           <a:lstStyle/>
           <a:p>
             <a:r>
-              <a:rPr lang="fr-FR" dirty="0" smtClean="0"/>
-              <a:t>Application au projet</a:t>
+              <a:rPr lang="fr-FR" dirty="0" err="1" smtClean="0"/>
+              <a:t>Libert</a:t>
+            </a:r>
+            <a:r>
+              <a:rPr lang="fr-FR" dirty="0" smtClean="0"/>
+              <a:t> Pierrick, </a:t>
+            </a:r>
+            <a:r>
+              <a:rPr lang="fr-FR" dirty="0" err="1" smtClean="0"/>
+              <a:t>Singler</a:t>
+            </a:r>
+            <a:r>
+              <a:rPr lang="fr-FR" dirty="0" smtClean="0"/>
+              <a:t> Julien, </a:t>
+            </a:r>
+            <a:r>
+              <a:rPr lang="fr-FR" dirty="0" err="1" smtClean="0"/>
+              <a:t>Meloni</a:t>
+            </a:r>
+            <a:r>
+              <a:rPr lang="fr-FR" dirty="0" smtClean="0"/>
+              <a:t> Hugo, </a:t>
+            </a:r>
+            <a:r>
+              <a:rPr lang="fr-FR" dirty="0" err="1" smtClean="0"/>
+              <a:t>Berrouag</a:t>
+            </a:r>
+            <a:r>
+              <a:rPr lang="fr-FR" dirty="0" smtClean="0"/>
+              <a:t> Yannis, </a:t>
+            </a:r>
+            <a:r>
+              <a:rPr lang="fr-FR" dirty="0" err="1" smtClean="0"/>
+              <a:t>Gahon</a:t>
+            </a:r>
+            <a:r>
+              <a:rPr lang="fr-FR" dirty="0" smtClean="0"/>
+              <a:t> Alexis, Minette Alexandre</a:t>
             </a:r>
             <a:endParaRPr lang="fr-FR" dirty="0"/>
           </a:p>
@@ -8625,8 +8789,8 @@
           </a:p>
           <a:p>
             <a:r>
-              <a:rPr lang="fr-FR" dirty="0" smtClean="0"/>
-              <a:t>Gestion des utilisateurs</a:t>
+              <a:rPr lang="fr-FR" dirty="0"/>
+              <a:t>Gestion des documents</a:t>
             </a:r>
           </a:p>
           <a:p>
@@ -8635,9 +8799,8 @@
           <a:p>
             <a:r>
               <a:rPr lang="fr-FR" dirty="0" smtClean="0"/>
-              <a:t>Gestion des documents</a:t>
-            </a:r>
-            <a:endParaRPr lang="fr-FR" dirty="0"/>
+              <a:t>Gestion des groupes</a:t>
+            </a:r>
           </a:p>
           <a:p>
             <a:endParaRPr lang="fr-FR" dirty="0" smtClean="0"/>
@@ -8645,8 +8808,13 @@
           <a:p>
             <a:r>
               <a:rPr lang="fr-FR" dirty="0" smtClean="0"/>
-              <a:t>Gestion des groupes</a:t>
-            </a:r>
+              <a:t>Gestion des </a:t>
+            </a:r>
+            <a:r>
+              <a:rPr lang="fr-FR" dirty="0" smtClean="0"/>
+              <a:t>utilisateurs</a:t>
+            </a:r>
+            <a:endParaRPr lang="fr-FR" dirty="0" smtClean="0"/>
           </a:p>
           <a:p>
             <a:endParaRPr lang="fr-FR" dirty="0" smtClean="0"/>
@@ -8834,8 +9002,8 @@
         </p:blipFill>
         <p:spPr>
           <a:xfrm>
-            <a:off x="-9685584" y="764704"/>
-            <a:ext cx="9144000" cy="5031061"/>
+            <a:off x="-9195130" y="764704"/>
+            <a:ext cx="8996351" cy="5544616"/>
           </a:xfrm>
           <a:prstGeom prst="rect">
             <a:avLst/>
@@ -8864,8 +9032,8 @@
         </p:blipFill>
         <p:spPr>
           <a:xfrm>
-            <a:off x="9972600" y="2492896"/>
-            <a:ext cx="9144000" cy="1762210"/>
+            <a:off x="10147481" y="2492896"/>
+            <a:ext cx="7962024" cy="2592288"/>
           </a:xfrm>
           <a:prstGeom prst="rect">
             <a:avLst/>
@@ -8998,7 +9166,7 @@
                                     <p:cond delay="0"/>
                                   </p:stCondLst>
                                   <p:childTnLst>
-                                    <p:animMotion origin="layout" path="M -4.44444E-6 4.81481E-6 L 1.07292 4.81481E-6 " pathEditMode="relative" rAng="0" ptsTypes="AA">
+                                    <p:animMotion origin="layout" path="M -1.11111E-6 -4.07407E-6 L 1.02639 -0.00532 " pathEditMode="relative" rAng="0" ptsTypes="AA">
                                       <p:cBhvr>
                                         <p:cTn id="6" dur="2000" fill="hold"/>
                                         <p:tgtEl>
@@ -9009,7 +9177,7 @@
                                           <p:attrName>ppt_y</p:attrName>
                                         </p:attrNameLst>
                                       </p:cBhvr>
-                                      <p:rCtr x="53646" y="0"/>
+                                      <p:rCtr x="51319" y="-278"/>
                                     </p:animMotion>
                                   </p:childTnLst>
                                 </p:cTn>
@@ -9277,18 +9445,18 @@
                                     <p:cond delay="0"/>
                                   </p:stCondLst>
                                   <p:childTnLst>
-                                    <p:animMotion origin="layout" path="M -4.16667E-6 3.7037E-7 L -0.00416 -1.02755 " pathEditMode="relative" rAng="0" ptsTypes="AA">
+                                    <p:animMotion origin="layout" path="M -1.94444E-6 -3.33333E-6 L -1.01007 -1.01666 " pathEditMode="relative" rAng="0" ptsTypes="AA">
                                       <p:cBhvr>
                                         <p:cTn id="33" dur="2000" fill="hold"/>
                                         <p:tgtEl>
-                                          <p:spTgt spid="9"/>
+                                          <p:spTgt spid="10"/>
                                         </p:tgtEl>
                                         <p:attrNameLst>
                                           <p:attrName>ppt_x</p:attrName>
                                           <p:attrName>ppt_y</p:attrName>
                                         </p:attrNameLst>
                                       </p:cBhvr>
-                                      <p:rCtr x="-208" y="-51389"/>
+                                      <p:rCtr x="-50503" y="-50833"/>
                                     </p:animMotion>
                                   </p:childTnLst>
                                 </p:cTn>
@@ -9321,7 +9489,7 @@
                                       <p:cBhvr>
                                         <p:cTn id="37" dur="500"/>
                                         <p:tgtEl>
-                                          <p:spTgt spid="9"/>
+                                          <p:spTgt spid="10"/>
                                         </p:tgtEl>
                                       </p:cBhvr>
                                     </p:animEffect>
@@ -9333,7 +9501,7 @@
                                           </p:stCondLst>
                                         </p:cTn>
                                         <p:tgtEl>
-                                          <p:spTgt spid="9"/>
+                                          <p:spTgt spid="10"/>
                                         </p:tgtEl>
                                         <p:attrNameLst>
                                           <p:attrName>style.visibility</p:attrName>
@@ -9370,18 +9538,18 @@
                                     <p:cond delay="0"/>
                                   </p:stCondLst>
                                   <p:childTnLst>
-                                    <p:animMotion origin="layout" path="M -1.94444E-6 -3.33333E-6 L -1.01007 -1.01666 " pathEditMode="relative" rAng="0" ptsTypes="AA">
+                                    <p:animMotion origin="layout" path="M -4.16667E-6 3.7037E-7 L 0.00365 -1.01713 " pathEditMode="relative" rAng="0" ptsTypes="AA">
                                       <p:cBhvr>
                                         <p:cTn id="42" dur="2000" fill="hold"/>
                                         <p:tgtEl>
-                                          <p:spTgt spid="10"/>
+                                          <p:spTgt spid="9"/>
                                         </p:tgtEl>
                                         <p:attrNameLst>
                                           <p:attrName>ppt_x</p:attrName>
                                           <p:attrName>ppt_y</p:attrName>
                                         </p:attrNameLst>
                                       </p:cBhvr>
-                                      <p:rCtr x="-50503" y="-50833"/>
+                                      <p:rCtr x="174" y="-50856"/>
                                     </p:animMotion>
                                   </p:childTnLst>
                                 </p:cTn>
@@ -10043,7 +10211,13 @@
               <a:rPr lang="fr-FR" dirty="0" smtClean="0"/>
               <a:t>Des forums dans des catégories.</a:t>
             </a:r>
-            <a:endParaRPr lang="fr-FR" dirty="0" smtClean="0"/>
+          </a:p>
+          <a:p>
+            <a:pPr lvl="3"/>
+            <a:r>
+              <a:rPr lang="fr-FR" dirty="0" smtClean="0"/>
+              <a:t>Backoffice</a:t>
+            </a:r>
           </a:p>
         </p:txBody>
       </p:sp>
@@ -10251,8 +10425,8 @@
         </p:blipFill>
         <p:spPr>
           <a:xfrm>
-            <a:off x="10044608" y="2132856"/>
-            <a:ext cx="9144000" cy="2677566"/>
+            <a:off x="10206697" y="2132856"/>
+            <a:ext cx="8819822" cy="2677566"/>
           </a:xfrm>
           <a:prstGeom prst="rect">
             <a:avLst/>
@@ -10275,15 +10449,14 @@
               </a:ext>
             </a:extLst>
           </a:blip>
-          <a:srcRect/>
           <a:stretch>
             <a:fillRect/>
           </a:stretch>
         </p:blipFill>
         <p:spPr bwMode="auto">
           <a:xfrm>
-            <a:off x="348648" y="-5716016"/>
-            <a:ext cx="8587312" cy="4614808"/>
+            <a:off x="348648" y="-5633075"/>
+            <a:ext cx="8587312" cy="4448925"/>
           </a:xfrm>
           <a:prstGeom prst="rect">
             <a:avLst/>
